--- a/hscc2017/figures/verification-flow.pptx
+++ b/hscc2017/figures/verification-flow.pptx
@@ -304,7 +304,7 @@
           <a:p>
             <a:fld id="{24600E32-1EDA-9448-8110-B067D99F7BD4}" type="datetimeFigureOut">
               <a:rPr lang="en-US" smtClean="0"/>
-              <a:t>10/14/2016</a:t>
+              <a:t>12/28/2016</a:t>
             </a:fld>
             <a:endParaRPr lang="en-US"/>
           </a:p>
@@ -474,7 +474,7 @@
           <a:p>
             <a:fld id="{24600E32-1EDA-9448-8110-B067D99F7BD4}" type="datetimeFigureOut">
               <a:rPr lang="en-US" smtClean="0"/>
-              <a:t>10/14/2016</a:t>
+              <a:t>12/28/2016</a:t>
             </a:fld>
             <a:endParaRPr lang="en-US"/>
           </a:p>
@@ -654,7 +654,7 @@
           <a:p>
             <a:fld id="{24600E32-1EDA-9448-8110-B067D99F7BD4}" type="datetimeFigureOut">
               <a:rPr lang="en-US" smtClean="0"/>
-              <a:t>10/14/2016</a:t>
+              <a:t>12/28/2016</a:t>
             </a:fld>
             <a:endParaRPr lang="en-US"/>
           </a:p>
@@ -824,7 +824,7 @@
           <a:p>
             <a:fld id="{24600E32-1EDA-9448-8110-B067D99F7BD4}" type="datetimeFigureOut">
               <a:rPr lang="en-US" smtClean="0"/>
-              <a:t>10/14/2016</a:t>
+              <a:t>12/28/2016</a:t>
             </a:fld>
             <a:endParaRPr lang="en-US"/>
           </a:p>
@@ -1070,7 +1070,7 @@
           <a:p>
             <a:fld id="{24600E32-1EDA-9448-8110-B067D99F7BD4}" type="datetimeFigureOut">
               <a:rPr lang="en-US" smtClean="0"/>
-              <a:t>10/14/2016</a:t>
+              <a:t>12/28/2016</a:t>
             </a:fld>
             <a:endParaRPr lang="en-US"/>
           </a:p>
@@ -1358,7 +1358,7 @@
           <a:p>
             <a:fld id="{24600E32-1EDA-9448-8110-B067D99F7BD4}" type="datetimeFigureOut">
               <a:rPr lang="en-US" smtClean="0"/>
-              <a:t>10/14/2016</a:t>
+              <a:t>12/28/2016</a:t>
             </a:fld>
             <a:endParaRPr lang="en-US"/>
           </a:p>
@@ -1780,7 +1780,7 @@
           <a:p>
             <a:fld id="{24600E32-1EDA-9448-8110-B067D99F7BD4}" type="datetimeFigureOut">
               <a:rPr lang="en-US" smtClean="0"/>
-              <a:t>10/14/2016</a:t>
+              <a:t>12/28/2016</a:t>
             </a:fld>
             <a:endParaRPr lang="en-US"/>
           </a:p>
@@ -1898,7 +1898,7 @@
           <a:p>
             <a:fld id="{24600E32-1EDA-9448-8110-B067D99F7BD4}" type="datetimeFigureOut">
               <a:rPr lang="en-US" smtClean="0"/>
-              <a:t>10/14/2016</a:t>
+              <a:t>12/28/2016</a:t>
             </a:fld>
             <a:endParaRPr lang="en-US"/>
           </a:p>
@@ -1993,7 +1993,7 @@
           <a:p>
             <a:fld id="{24600E32-1EDA-9448-8110-B067D99F7BD4}" type="datetimeFigureOut">
               <a:rPr lang="en-US" smtClean="0"/>
-              <a:t>10/14/2016</a:t>
+              <a:t>12/28/2016</a:t>
             </a:fld>
             <a:endParaRPr lang="en-US"/>
           </a:p>
@@ -2270,7 +2270,7 @@
           <a:p>
             <a:fld id="{24600E32-1EDA-9448-8110-B067D99F7BD4}" type="datetimeFigureOut">
               <a:rPr lang="en-US" smtClean="0"/>
-              <a:t>10/14/2016</a:t>
+              <a:t>12/28/2016</a:t>
             </a:fld>
             <a:endParaRPr lang="en-US"/>
           </a:p>
@@ -2523,7 +2523,7 @@
           <a:p>
             <a:fld id="{24600E32-1EDA-9448-8110-B067D99F7BD4}" type="datetimeFigureOut">
               <a:rPr lang="en-US" smtClean="0"/>
-              <a:t>10/14/2016</a:t>
+              <a:t>12/28/2016</a:t>
             </a:fld>
             <a:endParaRPr lang="en-US"/>
           </a:p>
@@ -2736,7 +2736,7 @@
           <a:p>
             <a:fld id="{24600E32-1EDA-9448-8110-B067D99F7BD4}" type="datetimeFigureOut">
               <a:rPr lang="en-US" smtClean="0"/>
-              <a:t>10/14/2016</a:t>
+              <a:t>12/28/2016</a:t>
             </a:fld>
             <a:endParaRPr lang="en-US"/>
           </a:p>
@@ -3113,7 +3113,7 @@
       </p:grpSpPr>
       <p:grpSp>
         <p:nvGrpSpPr>
-          <p:cNvPr id="10" name="Grupo 9"/>
+          <p:cNvPr id="2" name="Grupo 1"/>
           <p:cNvGrpSpPr/>
           <p:nvPr/>
         </p:nvGrpSpPr>
@@ -3199,135 +3199,120 @@
             </a:p>
           </p:txBody>
         </p:sp>
-        <p:grpSp>
-          <p:nvGrpSpPr>
-            <p:cNvPr id="48" name="Group 47"/>
-            <p:cNvGrpSpPr/>
+        <p:cxnSp>
+          <p:nvCxnSpPr>
+            <p:cNvPr id="23" name="Straight Arrow Connector 22"/>
+            <p:cNvCxnSpPr/>
             <p:nvPr/>
-          </p:nvGrpSpPr>
-          <p:grpSpPr>
-            <a:xfrm rot="16200000">
-              <a:off x="96675" y="1702642"/>
-              <a:ext cx="243399" cy="583699"/>
-              <a:chOff x="3376545" y="5409984"/>
-              <a:chExt cx="243399" cy="351072"/>
+          </p:nvCxnSpPr>
+          <p:spPr>
+            <a:xfrm>
+              <a:off x="-73476" y="2115930"/>
+              <a:ext cx="583696" cy="261"/>
             </a:xfrm>
-          </p:grpSpPr>
-          <p:cxnSp>
-            <p:nvCxnSpPr>
-              <p:cNvPr id="23" name="Straight Arrow Connector 22"/>
-              <p:cNvCxnSpPr/>
-              <p:nvPr/>
-            </p:nvCxnSpPr>
-            <p:spPr>
-              <a:xfrm rot="5400000">
-                <a:off x="3201141" y="5585388"/>
-                <a:ext cx="351070" cy="261"/>
-              </a:xfrm>
-              <a:prstGeom prst="straightConnector1">
-                <a:avLst/>
-              </a:prstGeom>
-              <a:ln w="6350" cmpd="sng">
-                <a:solidFill>
-                  <a:srgbClr val="000000"/>
-                </a:solidFill>
-                <a:headEnd type="none"/>
-                <a:tailEnd type="triangle"/>
-              </a:ln>
-              <a:effectLst/>
-            </p:spPr>
-            <p:style>
-              <a:lnRef idx="2">
-                <a:schemeClr val="accent1"/>
-              </a:lnRef>
-              <a:fillRef idx="0">
-                <a:schemeClr val="accent1"/>
-              </a:fillRef>
-              <a:effectRef idx="1">
-                <a:schemeClr val="accent1"/>
-              </a:effectRef>
-              <a:fontRef idx="minor">
-                <a:schemeClr val="tx1"/>
-              </a:fontRef>
-            </p:style>
-          </p:cxnSp>
-          <p:cxnSp>
-            <p:nvCxnSpPr>
-              <p:cNvPr id="51" name="Straight Arrow Connector 50"/>
-              <p:cNvCxnSpPr/>
-              <p:nvPr/>
-            </p:nvCxnSpPr>
-            <p:spPr>
-              <a:xfrm rot="5400000">
-                <a:off x="3326406" y="5585389"/>
-                <a:ext cx="351070" cy="261"/>
-              </a:xfrm>
-              <a:prstGeom prst="straightConnector1">
-                <a:avLst/>
-              </a:prstGeom>
-              <a:ln w="6350" cmpd="sng">
-                <a:solidFill>
-                  <a:srgbClr val="000000"/>
-                </a:solidFill>
-                <a:headEnd type="none"/>
-                <a:tailEnd type="triangle"/>
-              </a:ln>
-              <a:effectLst/>
-            </p:spPr>
-            <p:style>
-              <a:lnRef idx="2">
-                <a:schemeClr val="accent1"/>
-              </a:lnRef>
-              <a:fillRef idx="0">
-                <a:schemeClr val="accent1"/>
-              </a:fillRef>
-              <a:effectRef idx="1">
-                <a:schemeClr val="accent1"/>
-              </a:effectRef>
-              <a:fontRef idx="minor">
-                <a:schemeClr val="tx1"/>
-              </a:fontRef>
-            </p:style>
-          </p:cxnSp>
-          <p:cxnSp>
-            <p:nvCxnSpPr>
-              <p:cNvPr id="52" name="Straight Arrow Connector 51"/>
-              <p:cNvCxnSpPr/>
-              <p:nvPr/>
-            </p:nvCxnSpPr>
-            <p:spPr>
-              <a:xfrm rot="5400000">
-                <a:off x="3444279" y="5585390"/>
-                <a:ext cx="351070" cy="261"/>
-              </a:xfrm>
-              <a:prstGeom prst="straightConnector1">
-                <a:avLst/>
-              </a:prstGeom>
-              <a:ln w="6350" cmpd="sng">
-                <a:solidFill>
-                  <a:srgbClr val="000000"/>
-                </a:solidFill>
-                <a:headEnd type="none"/>
-                <a:tailEnd type="triangle"/>
-              </a:ln>
-              <a:effectLst/>
-            </p:spPr>
-            <p:style>
-              <a:lnRef idx="2">
-                <a:schemeClr val="accent1"/>
-              </a:lnRef>
-              <a:fillRef idx="0">
-                <a:schemeClr val="accent1"/>
-              </a:fillRef>
-              <a:effectRef idx="1">
-                <a:schemeClr val="accent1"/>
-              </a:effectRef>
-              <a:fontRef idx="minor">
-                <a:schemeClr val="tx1"/>
-              </a:fontRef>
-            </p:style>
-          </p:cxnSp>
-        </p:grpSp>
+            <a:prstGeom prst="straightConnector1">
+              <a:avLst/>
+            </a:prstGeom>
+            <a:ln w="6350" cmpd="sng">
+              <a:solidFill>
+                <a:srgbClr val="000000"/>
+              </a:solidFill>
+              <a:headEnd type="none"/>
+              <a:tailEnd type="stealth"/>
+            </a:ln>
+            <a:effectLst/>
+          </p:spPr>
+          <p:style>
+            <a:lnRef idx="2">
+              <a:schemeClr val="accent1"/>
+            </a:lnRef>
+            <a:fillRef idx="0">
+              <a:schemeClr val="accent1"/>
+            </a:fillRef>
+            <a:effectRef idx="1">
+              <a:schemeClr val="accent1"/>
+            </a:effectRef>
+            <a:fontRef idx="minor">
+              <a:schemeClr val="tx1"/>
+            </a:fontRef>
+          </p:style>
+        </p:cxnSp>
+        <p:cxnSp>
+          <p:nvCxnSpPr>
+            <p:cNvPr id="51" name="Straight Arrow Connector 50"/>
+            <p:cNvCxnSpPr/>
+            <p:nvPr/>
+          </p:nvCxnSpPr>
+          <p:spPr>
+            <a:xfrm>
+              <a:off x="-73474" y="1990665"/>
+              <a:ext cx="583696" cy="261"/>
+            </a:xfrm>
+            <a:prstGeom prst="straightConnector1">
+              <a:avLst/>
+            </a:prstGeom>
+            <a:ln w="6350" cmpd="sng">
+              <a:solidFill>
+                <a:srgbClr val="000000"/>
+              </a:solidFill>
+              <a:headEnd type="none"/>
+              <a:tailEnd type="stealth"/>
+            </a:ln>
+            <a:effectLst/>
+          </p:spPr>
+          <p:style>
+            <a:lnRef idx="2">
+              <a:schemeClr val="accent1"/>
+            </a:lnRef>
+            <a:fillRef idx="0">
+              <a:schemeClr val="accent1"/>
+            </a:fillRef>
+            <a:effectRef idx="1">
+              <a:schemeClr val="accent1"/>
+            </a:effectRef>
+            <a:fontRef idx="minor">
+              <a:schemeClr val="tx1"/>
+            </a:fontRef>
+          </p:style>
+        </p:cxnSp>
+        <p:cxnSp>
+          <p:nvCxnSpPr>
+            <p:cNvPr id="52" name="Straight Arrow Connector 51"/>
+            <p:cNvCxnSpPr/>
+            <p:nvPr/>
+          </p:nvCxnSpPr>
+          <p:spPr>
+            <a:xfrm>
+              <a:off x="-73473" y="1872792"/>
+              <a:ext cx="583696" cy="261"/>
+            </a:xfrm>
+            <a:prstGeom prst="straightConnector1">
+              <a:avLst/>
+            </a:prstGeom>
+            <a:ln w="6350" cmpd="sng">
+              <a:solidFill>
+                <a:srgbClr val="000000"/>
+              </a:solidFill>
+              <a:headEnd type="none"/>
+              <a:tailEnd type="stealth"/>
+            </a:ln>
+            <a:effectLst/>
+          </p:spPr>
+          <p:style>
+            <a:lnRef idx="2">
+              <a:schemeClr val="accent1"/>
+            </a:lnRef>
+            <a:fillRef idx="0">
+              <a:schemeClr val="accent1"/>
+            </a:fillRef>
+            <a:effectRef idx="1">
+              <a:schemeClr val="accent1"/>
+            </a:effectRef>
+            <a:fontRef idx="minor">
+              <a:schemeClr val="tx1"/>
+            </a:fontRef>
+          </p:style>
+        </p:cxnSp>
         <p:grpSp>
           <p:nvGrpSpPr>
             <p:cNvPr id="3" name="Group 2"/>
@@ -3975,7 +3960,7 @@
                 <a:srgbClr val="000000"/>
               </a:solidFill>
               <a:headEnd type="none"/>
-              <a:tailEnd type="triangle"/>
+              <a:tailEnd type="stealth"/>
             </a:ln>
             <a:effectLst/>
           </p:spPr>
@@ -4015,7 +4000,7 @@
                 <a:srgbClr val="000000"/>
               </a:solidFill>
               <a:headEnd type="none"/>
-              <a:tailEnd type="triangle"/>
+              <a:tailEnd type="stealth"/>
             </a:ln>
             <a:effectLst/>
           </p:spPr>
@@ -4497,7 +4482,7 @@
                 <a:srgbClr val="000000"/>
               </a:solidFill>
               <a:headEnd type="none"/>
-              <a:tailEnd type="triangle"/>
+              <a:tailEnd type="stealth"/>
             </a:ln>
             <a:effectLst/>
           </p:spPr>
@@ -4538,7 +4523,7 @@
                 <a:srgbClr val="000000"/>
               </a:solidFill>
               <a:headEnd type="none"/>
-              <a:tailEnd type="triangle"/>
+              <a:tailEnd type="stealth"/>
             </a:ln>
             <a:effectLst/>
           </p:spPr>
@@ -4579,7 +4564,7 @@
                 <a:srgbClr val="000000"/>
               </a:solidFill>
               <a:headEnd type="none"/>
-              <a:tailEnd type="triangle"/>
+              <a:tailEnd type="stealth"/>
             </a:ln>
             <a:effectLst/>
           </p:spPr>
@@ -4656,135 +4641,120 @@
             </a:p>
           </p:txBody>
         </p:sp>
-        <p:grpSp>
-          <p:nvGrpSpPr>
-            <p:cNvPr id="96" name="Group 95"/>
-            <p:cNvGrpSpPr/>
+        <p:cxnSp>
+          <p:nvCxnSpPr>
+            <p:cNvPr id="97" name="Straight Arrow Connector 96"/>
+            <p:cNvCxnSpPr/>
             <p:nvPr/>
-          </p:nvGrpSpPr>
-          <p:grpSpPr>
-            <a:xfrm rot="16200000">
-              <a:off x="99804" y="2745771"/>
-              <a:ext cx="243399" cy="583699"/>
-              <a:chOff x="3376545" y="5409984"/>
-              <a:chExt cx="243399" cy="351072"/>
+          </p:nvCxnSpPr>
+          <p:spPr>
+            <a:xfrm>
+              <a:off x="-70347" y="3159059"/>
+              <a:ext cx="583696" cy="261"/>
             </a:xfrm>
-          </p:grpSpPr>
-          <p:cxnSp>
-            <p:nvCxnSpPr>
-              <p:cNvPr id="97" name="Straight Arrow Connector 96"/>
-              <p:cNvCxnSpPr/>
-              <p:nvPr/>
-            </p:nvCxnSpPr>
-            <p:spPr>
-              <a:xfrm rot="5400000">
-                <a:off x="3201141" y="5585388"/>
-                <a:ext cx="351070" cy="261"/>
-              </a:xfrm>
-              <a:prstGeom prst="straightConnector1">
-                <a:avLst/>
-              </a:prstGeom>
-              <a:ln w="6350" cmpd="sng">
-                <a:solidFill>
-                  <a:srgbClr val="000000"/>
-                </a:solidFill>
-                <a:headEnd type="none"/>
-                <a:tailEnd type="triangle"/>
-              </a:ln>
-              <a:effectLst/>
-            </p:spPr>
-            <p:style>
-              <a:lnRef idx="2">
-                <a:schemeClr val="accent1"/>
-              </a:lnRef>
-              <a:fillRef idx="0">
-                <a:schemeClr val="accent1"/>
-              </a:fillRef>
-              <a:effectRef idx="1">
-                <a:schemeClr val="accent1"/>
-              </a:effectRef>
-              <a:fontRef idx="minor">
-                <a:schemeClr val="tx1"/>
-              </a:fontRef>
-            </p:style>
-          </p:cxnSp>
-          <p:cxnSp>
-            <p:nvCxnSpPr>
-              <p:cNvPr id="98" name="Straight Arrow Connector 97"/>
-              <p:cNvCxnSpPr/>
-              <p:nvPr/>
-            </p:nvCxnSpPr>
-            <p:spPr>
-              <a:xfrm rot="5400000">
-                <a:off x="3326406" y="5585389"/>
-                <a:ext cx="351070" cy="261"/>
-              </a:xfrm>
-              <a:prstGeom prst="straightConnector1">
-                <a:avLst/>
-              </a:prstGeom>
-              <a:ln w="6350" cmpd="sng">
-                <a:solidFill>
-                  <a:srgbClr val="000000"/>
-                </a:solidFill>
-                <a:headEnd type="none"/>
-                <a:tailEnd type="triangle"/>
-              </a:ln>
-              <a:effectLst/>
-            </p:spPr>
-            <p:style>
-              <a:lnRef idx="2">
-                <a:schemeClr val="accent1"/>
-              </a:lnRef>
-              <a:fillRef idx="0">
-                <a:schemeClr val="accent1"/>
-              </a:fillRef>
-              <a:effectRef idx="1">
-                <a:schemeClr val="accent1"/>
-              </a:effectRef>
-              <a:fontRef idx="minor">
-                <a:schemeClr val="tx1"/>
-              </a:fontRef>
-            </p:style>
-          </p:cxnSp>
-          <p:cxnSp>
-            <p:nvCxnSpPr>
-              <p:cNvPr id="99" name="Straight Arrow Connector 98"/>
-              <p:cNvCxnSpPr/>
-              <p:nvPr/>
-            </p:nvCxnSpPr>
-            <p:spPr>
-              <a:xfrm rot="5400000">
-                <a:off x="3444279" y="5585390"/>
-                <a:ext cx="351070" cy="261"/>
-              </a:xfrm>
-              <a:prstGeom prst="straightConnector1">
-                <a:avLst/>
-              </a:prstGeom>
-              <a:ln w="6350" cmpd="sng">
-                <a:solidFill>
-                  <a:srgbClr val="000000"/>
-                </a:solidFill>
-                <a:headEnd type="none"/>
-                <a:tailEnd type="triangle"/>
-              </a:ln>
-              <a:effectLst/>
-            </p:spPr>
-            <p:style>
-              <a:lnRef idx="2">
-                <a:schemeClr val="accent1"/>
-              </a:lnRef>
-              <a:fillRef idx="0">
-                <a:schemeClr val="accent1"/>
-              </a:fillRef>
-              <a:effectRef idx="1">
-                <a:schemeClr val="accent1"/>
-              </a:effectRef>
-              <a:fontRef idx="minor">
-                <a:schemeClr val="tx1"/>
-              </a:fontRef>
-            </p:style>
-          </p:cxnSp>
-        </p:grpSp>
+            <a:prstGeom prst="straightConnector1">
+              <a:avLst/>
+            </a:prstGeom>
+            <a:ln w="6350" cmpd="sng">
+              <a:solidFill>
+                <a:srgbClr val="000000"/>
+              </a:solidFill>
+              <a:headEnd type="none"/>
+              <a:tailEnd type="stealth"/>
+            </a:ln>
+            <a:effectLst/>
+          </p:spPr>
+          <p:style>
+            <a:lnRef idx="2">
+              <a:schemeClr val="accent1"/>
+            </a:lnRef>
+            <a:fillRef idx="0">
+              <a:schemeClr val="accent1"/>
+            </a:fillRef>
+            <a:effectRef idx="1">
+              <a:schemeClr val="accent1"/>
+            </a:effectRef>
+            <a:fontRef idx="minor">
+              <a:schemeClr val="tx1"/>
+            </a:fontRef>
+          </p:style>
+        </p:cxnSp>
+        <p:cxnSp>
+          <p:nvCxnSpPr>
+            <p:cNvPr id="98" name="Straight Arrow Connector 97"/>
+            <p:cNvCxnSpPr/>
+            <p:nvPr/>
+          </p:nvCxnSpPr>
+          <p:spPr>
+            <a:xfrm>
+              <a:off x="-70345" y="3033794"/>
+              <a:ext cx="583696" cy="261"/>
+            </a:xfrm>
+            <a:prstGeom prst="straightConnector1">
+              <a:avLst/>
+            </a:prstGeom>
+            <a:ln w="6350" cmpd="sng">
+              <a:solidFill>
+                <a:srgbClr val="000000"/>
+              </a:solidFill>
+              <a:headEnd type="none"/>
+              <a:tailEnd type="stealth"/>
+            </a:ln>
+            <a:effectLst/>
+          </p:spPr>
+          <p:style>
+            <a:lnRef idx="2">
+              <a:schemeClr val="accent1"/>
+            </a:lnRef>
+            <a:fillRef idx="0">
+              <a:schemeClr val="accent1"/>
+            </a:fillRef>
+            <a:effectRef idx="1">
+              <a:schemeClr val="accent1"/>
+            </a:effectRef>
+            <a:fontRef idx="minor">
+              <a:schemeClr val="tx1"/>
+            </a:fontRef>
+          </p:style>
+        </p:cxnSp>
+        <p:cxnSp>
+          <p:nvCxnSpPr>
+            <p:cNvPr id="99" name="Straight Arrow Connector 98"/>
+            <p:cNvCxnSpPr/>
+            <p:nvPr/>
+          </p:nvCxnSpPr>
+          <p:spPr>
+            <a:xfrm>
+              <a:off x="-70344" y="2915921"/>
+              <a:ext cx="583696" cy="261"/>
+            </a:xfrm>
+            <a:prstGeom prst="straightConnector1">
+              <a:avLst/>
+            </a:prstGeom>
+            <a:ln w="6350" cmpd="sng">
+              <a:solidFill>
+                <a:srgbClr val="000000"/>
+              </a:solidFill>
+              <a:headEnd type="none"/>
+              <a:tailEnd type="stealth"/>
+            </a:ln>
+            <a:effectLst/>
+          </p:spPr>
+          <p:style>
+            <a:lnRef idx="2">
+              <a:schemeClr val="accent1"/>
+            </a:lnRef>
+            <a:fillRef idx="0">
+              <a:schemeClr val="accent1"/>
+            </a:fillRef>
+            <a:effectRef idx="1">
+              <a:schemeClr val="accent1"/>
+            </a:effectRef>
+            <a:fontRef idx="minor">
+              <a:schemeClr val="tx1"/>
+            </a:fontRef>
+          </p:style>
+        </p:cxnSp>
         <p:sp>
           <p:nvSpPr>
             <p:cNvPr id="54" name="Document 53"/>
@@ -4875,7 +4845,7 @@
                 <a:srgbClr val="000000"/>
               </a:solidFill>
               <a:headEnd type="none"/>
-              <a:tailEnd type="triangle"/>
+              <a:tailEnd type="stealth"/>
             </a:ln>
             <a:effectLst/>
           </p:spPr>
@@ -4913,7 +4883,7 @@
                 <a:srgbClr val="000000"/>
               </a:solidFill>
               <a:headEnd type="none"/>
-              <a:tailEnd type="triangle"/>
+              <a:tailEnd type="stealth"/>
             </a:ln>
             <a:effectLst/>
           </p:spPr>
@@ -4956,7 +4926,7 @@
               <a:solidFill>
                 <a:schemeClr val="tx1"/>
               </a:solidFill>
-              <a:tailEnd type="triangle"/>
+              <a:tailEnd type="stealth"/>
             </a:ln>
             <a:effectLst/>
           </p:spPr>

--- a/hscc2017/figures/verification-flow.pptx
+++ b/hscc2017/figures/verification-flow.pptx
@@ -304,7 +304,7 @@
           <a:p>
             <a:fld id="{24600E32-1EDA-9448-8110-B067D99F7BD4}" type="datetimeFigureOut">
               <a:rPr lang="en-US" smtClean="0"/>
-              <a:t>12/28/2016</a:t>
+              <a:t>12/29/16</a:t>
             </a:fld>
             <a:endParaRPr lang="en-US"/>
           </a:p>
@@ -346,7 +346,7 @@
           <a:p>
             <a:fld id="{A704499E-B495-5847-98CA-BEF1A81EC5C6}" type="slidenum">
               <a:rPr lang="en-US" smtClean="0"/>
-              <a:t>‹nº›</a:t>
+              <a:t>‹#›</a:t>
             </a:fld>
             <a:endParaRPr lang="en-US"/>
           </a:p>
@@ -474,7 +474,7 @@
           <a:p>
             <a:fld id="{24600E32-1EDA-9448-8110-B067D99F7BD4}" type="datetimeFigureOut">
               <a:rPr lang="en-US" smtClean="0"/>
-              <a:t>12/28/2016</a:t>
+              <a:t>12/29/16</a:t>
             </a:fld>
             <a:endParaRPr lang="en-US"/>
           </a:p>
@@ -516,7 +516,7 @@
           <a:p>
             <a:fld id="{A704499E-B495-5847-98CA-BEF1A81EC5C6}" type="slidenum">
               <a:rPr lang="en-US" smtClean="0"/>
-              <a:t>‹nº›</a:t>
+              <a:t>‹#›</a:t>
             </a:fld>
             <a:endParaRPr lang="en-US"/>
           </a:p>
@@ -654,7 +654,7 @@
           <a:p>
             <a:fld id="{24600E32-1EDA-9448-8110-B067D99F7BD4}" type="datetimeFigureOut">
               <a:rPr lang="en-US" smtClean="0"/>
-              <a:t>12/28/2016</a:t>
+              <a:t>12/29/16</a:t>
             </a:fld>
             <a:endParaRPr lang="en-US"/>
           </a:p>
@@ -696,7 +696,7 @@
           <a:p>
             <a:fld id="{A704499E-B495-5847-98CA-BEF1A81EC5C6}" type="slidenum">
               <a:rPr lang="en-US" smtClean="0"/>
-              <a:t>‹nº›</a:t>
+              <a:t>‹#›</a:t>
             </a:fld>
             <a:endParaRPr lang="en-US"/>
           </a:p>
@@ -824,7 +824,7 @@
           <a:p>
             <a:fld id="{24600E32-1EDA-9448-8110-B067D99F7BD4}" type="datetimeFigureOut">
               <a:rPr lang="en-US" smtClean="0"/>
-              <a:t>12/28/2016</a:t>
+              <a:t>12/29/16</a:t>
             </a:fld>
             <a:endParaRPr lang="en-US"/>
           </a:p>
@@ -866,7 +866,7 @@
           <a:p>
             <a:fld id="{A704499E-B495-5847-98CA-BEF1A81EC5C6}" type="slidenum">
               <a:rPr lang="en-US" smtClean="0"/>
-              <a:t>‹nº›</a:t>
+              <a:t>‹#›</a:t>
             </a:fld>
             <a:endParaRPr lang="en-US"/>
           </a:p>
@@ -1070,7 +1070,7 @@
           <a:p>
             <a:fld id="{24600E32-1EDA-9448-8110-B067D99F7BD4}" type="datetimeFigureOut">
               <a:rPr lang="en-US" smtClean="0"/>
-              <a:t>12/28/2016</a:t>
+              <a:t>12/29/16</a:t>
             </a:fld>
             <a:endParaRPr lang="en-US"/>
           </a:p>
@@ -1112,7 +1112,7 @@
           <a:p>
             <a:fld id="{A704499E-B495-5847-98CA-BEF1A81EC5C6}" type="slidenum">
               <a:rPr lang="en-US" smtClean="0"/>
-              <a:t>‹nº›</a:t>
+              <a:t>‹#›</a:t>
             </a:fld>
             <a:endParaRPr lang="en-US"/>
           </a:p>
@@ -1358,7 +1358,7 @@
           <a:p>
             <a:fld id="{24600E32-1EDA-9448-8110-B067D99F7BD4}" type="datetimeFigureOut">
               <a:rPr lang="en-US" smtClean="0"/>
-              <a:t>12/28/2016</a:t>
+              <a:t>12/29/16</a:t>
             </a:fld>
             <a:endParaRPr lang="en-US"/>
           </a:p>
@@ -1400,7 +1400,7 @@
           <a:p>
             <a:fld id="{A704499E-B495-5847-98CA-BEF1A81EC5C6}" type="slidenum">
               <a:rPr lang="en-US" smtClean="0"/>
-              <a:t>‹nº›</a:t>
+              <a:t>‹#›</a:t>
             </a:fld>
             <a:endParaRPr lang="en-US"/>
           </a:p>
@@ -1780,7 +1780,7 @@
           <a:p>
             <a:fld id="{24600E32-1EDA-9448-8110-B067D99F7BD4}" type="datetimeFigureOut">
               <a:rPr lang="en-US" smtClean="0"/>
-              <a:t>12/28/2016</a:t>
+              <a:t>12/29/16</a:t>
             </a:fld>
             <a:endParaRPr lang="en-US"/>
           </a:p>
@@ -1822,7 +1822,7 @@
           <a:p>
             <a:fld id="{A704499E-B495-5847-98CA-BEF1A81EC5C6}" type="slidenum">
               <a:rPr lang="en-US" smtClean="0"/>
-              <a:t>‹nº›</a:t>
+              <a:t>‹#›</a:t>
             </a:fld>
             <a:endParaRPr lang="en-US"/>
           </a:p>
@@ -1898,7 +1898,7 @@
           <a:p>
             <a:fld id="{24600E32-1EDA-9448-8110-B067D99F7BD4}" type="datetimeFigureOut">
               <a:rPr lang="en-US" smtClean="0"/>
-              <a:t>12/28/2016</a:t>
+              <a:t>12/29/16</a:t>
             </a:fld>
             <a:endParaRPr lang="en-US"/>
           </a:p>
@@ -1940,7 +1940,7 @@
           <a:p>
             <a:fld id="{A704499E-B495-5847-98CA-BEF1A81EC5C6}" type="slidenum">
               <a:rPr lang="en-US" smtClean="0"/>
-              <a:t>‹nº›</a:t>
+              <a:t>‹#›</a:t>
             </a:fld>
             <a:endParaRPr lang="en-US"/>
           </a:p>
@@ -1993,7 +1993,7 @@
           <a:p>
             <a:fld id="{24600E32-1EDA-9448-8110-B067D99F7BD4}" type="datetimeFigureOut">
               <a:rPr lang="en-US" smtClean="0"/>
-              <a:t>12/28/2016</a:t>
+              <a:t>12/29/16</a:t>
             </a:fld>
             <a:endParaRPr lang="en-US"/>
           </a:p>
@@ -2035,7 +2035,7 @@
           <a:p>
             <a:fld id="{A704499E-B495-5847-98CA-BEF1A81EC5C6}" type="slidenum">
               <a:rPr lang="en-US" smtClean="0"/>
-              <a:t>‹nº›</a:t>
+              <a:t>‹#›</a:t>
             </a:fld>
             <a:endParaRPr lang="en-US"/>
           </a:p>
@@ -2270,7 +2270,7 @@
           <a:p>
             <a:fld id="{24600E32-1EDA-9448-8110-B067D99F7BD4}" type="datetimeFigureOut">
               <a:rPr lang="en-US" smtClean="0"/>
-              <a:t>12/28/2016</a:t>
+              <a:t>12/29/16</a:t>
             </a:fld>
             <a:endParaRPr lang="en-US"/>
           </a:p>
@@ -2312,7 +2312,7 @@
           <a:p>
             <a:fld id="{A704499E-B495-5847-98CA-BEF1A81EC5C6}" type="slidenum">
               <a:rPr lang="en-US" smtClean="0"/>
-              <a:t>‹nº›</a:t>
+              <a:t>‹#›</a:t>
             </a:fld>
             <a:endParaRPr lang="en-US"/>
           </a:p>
@@ -2523,7 +2523,7 @@
           <a:p>
             <a:fld id="{24600E32-1EDA-9448-8110-B067D99F7BD4}" type="datetimeFigureOut">
               <a:rPr lang="en-US" smtClean="0"/>
-              <a:t>12/28/2016</a:t>
+              <a:t>12/29/16</a:t>
             </a:fld>
             <a:endParaRPr lang="en-US"/>
           </a:p>
@@ -2565,7 +2565,7 @@
           <a:p>
             <a:fld id="{A704499E-B495-5847-98CA-BEF1A81EC5C6}" type="slidenum">
               <a:rPr lang="en-US" smtClean="0"/>
-              <a:t>‹nº›</a:t>
+              <a:t>‹#›</a:t>
             </a:fld>
             <a:endParaRPr lang="en-US"/>
           </a:p>
@@ -2736,7 +2736,7 @@
           <a:p>
             <a:fld id="{24600E32-1EDA-9448-8110-B067D99F7BD4}" type="datetimeFigureOut">
               <a:rPr lang="en-US" smtClean="0"/>
-              <a:t>12/28/2016</a:t>
+              <a:t>12/29/16</a:t>
             </a:fld>
             <a:endParaRPr lang="en-US"/>
           </a:p>
@@ -2814,7 +2814,7 @@
           <a:p>
             <a:fld id="{A704499E-B495-5847-98CA-BEF1A81EC5C6}" type="slidenum">
               <a:rPr lang="en-US" smtClean="0"/>
-              <a:t>‹nº›</a:t>
+              <a:t>‹#›</a:t>
             </a:fld>
             <a:endParaRPr lang="en-US"/>
           </a:p>
@@ -3111,703 +3111,222 @@
           <a:chExt cx="0" cy="0"/>
         </a:xfrm>
       </p:grpSpPr>
+      <p:sp>
+        <p:nvSpPr>
+          <p:cNvPr id="55" name="TextBox 54"/>
+          <p:cNvSpPr txBox="1"/>
+          <p:nvPr/>
+        </p:nvSpPr>
+        <p:spPr>
+          <a:xfrm>
+            <a:off x="-112891" y="1565615"/>
+            <a:ext cx="1385221" cy="276999"/>
+          </a:xfrm>
+          <a:prstGeom prst="rect">
+            <a:avLst/>
+          </a:prstGeom>
+          <a:noFill/>
+        </p:spPr>
+        <p:txBody>
+          <a:bodyPr wrap="square" rtlCol="0">
+            <a:spAutoFit/>
+          </a:bodyPr>
+          <a:lstStyle/>
+          <a:p>
+            <a:r>
+              <a:rPr lang="en-GB" sz="1200" dirty="0" smtClean="0">
+                <a:latin typeface="Arial"/>
+                <a:cs typeface="Arial"/>
+              </a:rPr>
+              <a:t>User</a:t>
+            </a:r>
+            <a:endParaRPr lang="en-GB" sz="1200" dirty="0">
+              <a:latin typeface="Arial"/>
+              <a:cs typeface="Arial"/>
+            </a:endParaRPr>
+          </a:p>
+        </p:txBody>
+      </p:sp>
+      <p:sp>
+        <p:nvSpPr>
+          <p:cNvPr id="100" name="TextBox 99"/>
+          <p:cNvSpPr txBox="1"/>
+          <p:nvPr/>
+        </p:nvSpPr>
+        <p:spPr>
+          <a:xfrm>
+            <a:off x="-112844" y="2608483"/>
+            <a:ext cx="1385221" cy="276999"/>
+          </a:xfrm>
+          <a:prstGeom prst="rect">
+            <a:avLst/>
+          </a:prstGeom>
+          <a:noFill/>
+        </p:spPr>
+        <p:txBody>
+          <a:bodyPr wrap="square" rtlCol="0">
+            <a:spAutoFit/>
+          </a:bodyPr>
+          <a:lstStyle/>
+          <a:p>
+            <a:r>
+              <a:rPr lang="en-GB" sz="1200" dirty="0" err="1">
+                <a:latin typeface="Arial"/>
+                <a:cs typeface="Arial"/>
+              </a:rPr>
+              <a:t>DSSynth</a:t>
+            </a:r>
+            <a:endParaRPr lang="en-GB" sz="1200" dirty="0">
+              <a:latin typeface="Arial"/>
+              <a:cs typeface="Arial"/>
+            </a:endParaRPr>
+          </a:p>
+        </p:txBody>
+      </p:sp>
+      <p:cxnSp>
+        <p:nvCxnSpPr>
+          <p:cNvPr id="23" name="Straight Arrow Connector 22"/>
+          <p:cNvCxnSpPr/>
+          <p:nvPr/>
+        </p:nvCxnSpPr>
+        <p:spPr>
+          <a:xfrm>
+            <a:off x="-73476" y="2115930"/>
+            <a:ext cx="583696" cy="261"/>
+          </a:xfrm>
+          <a:prstGeom prst="straightConnector1">
+            <a:avLst/>
+          </a:prstGeom>
+          <a:ln w="6350" cmpd="sng">
+            <a:solidFill>
+              <a:srgbClr val="000000"/>
+            </a:solidFill>
+            <a:headEnd type="none"/>
+            <a:tailEnd type="stealth"/>
+          </a:ln>
+          <a:effectLst/>
+        </p:spPr>
+        <p:style>
+          <a:lnRef idx="2">
+            <a:schemeClr val="accent1"/>
+          </a:lnRef>
+          <a:fillRef idx="0">
+            <a:schemeClr val="accent1"/>
+          </a:fillRef>
+          <a:effectRef idx="1">
+            <a:schemeClr val="accent1"/>
+          </a:effectRef>
+          <a:fontRef idx="minor">
+            <a:schemeClr val="tx1"/>
+          </a:fontRef>
+        </p:style>
+      </p:cxnSp>
+      <p:cxnSp>
+        <p:nvCxnSpPr>
+          <p:cNvPr id="51" name="Straight Arrow Connector 50"/>
+          <p:cNvCxnSpPr/>
+          <p:nvPr/>
+        </p:nvCxnSpPr>
+        <p:spPr>
+          <a:xfrm>
+            <a:off x="-73474" y="1990665"/>
+            <a:ext cx="583696" cy="261"/>
+          </a:xfrm>
+          <a:prstGeom prst="straightConnector1">
+            <a:avLst/>
+          </a:prstGeom>
+          <a:ln w="6350" cmpd="sng">
+            <a:solidFill>
+              <a:srgbClr val="000000"/>
+            </a:solidFill>
+            <a:headEnd type="none"/>
+            <a:tailEnd type="stealth"/>
+          </a:ln>
+          <a:effectLst/>
+        </p:spPr>
+        <p:style>
+          <a:lnRef idx="2">
+            <a:schemeClr val="accent1"/>
+          </a:lnRef>
+          <a:fillRef idx="0">
+            <a:schemeClr val="accent1"/>
+          </a:fillRef>
+          <a:effectRef idx="1">
+            <a:schemeClr val="accent1"/>
+          </a:effectRef>
+          <a:fontRef idx="minor">
+            <a:schemeClr val="tx1"/>
+          </a:fontRef>
+        </p:style>
+      </p:cxnSp>
+      <p:cxnSp>
+        <p:nvCxnSpPr>
+          <p:cNvPr id="52" name="Straight Arrow Connector 51"/>
+          <p:cNvCxnSpPr/>
+          <p:nvPr/>
+        </p:nvCxnSpPr>
+        <p:spPr>
+          <a:xfrm>
+            <a:off x="-73473" y="1872792"/>
+            <a:ext cx="583696" cy="261"/>
+          </a:xfrm>
+          <a:prstGeom prst="straightConnector1">
+            <a:avLst/>
+          </a:prstGeom>
+          <a:ln w="6350" cmpd="sng">
+            <a:solidFill>
+              <a:srgbClr val="000000"/>
+            </a:solidFill>
+            <a:headEnd type="none"/>
+            <a:tailEnd type="stealth"/>
+          </a:ln>
+          <a:effectLst/>
+        </p:spPr>
+        <p:style>
+          <a:lnRef idx="2">
+            <a:schemeClr val="accent1"/>
+          </a:lnRef>
+          <a:fillRef idx="0">
+            <a:schemeClr val="accent1"/>
+          </a:fillRef>
+          <a:effectRef idx="1">
+            <a:schemeClr val="accent1"/>
+          </a:effectRef>
+          <a:fontRef idx="minor">
+            <a:schemeClr val="tx1"/>
+          </a:fontRef>
+        </p:style>
+      </p:cxnSp>
       <p:grpSp>
         <p:nvGrpSpPr>
-          <p:cNvPr id="2" name="Grupo 1"/>
+          <p:cNvPr id="3" name="Group 2"/>
           <p:cNvGrpSpPr/>
           <p:nvPr/>
         </p:nvGrpSpPr>
         <p:grpSpPr>
           <a:xfrm>
-            <a:off x="-653492" y="1595793"/>
-            <a:ext cx="10472908" cy="1790567"/>
-            <a:chOff x="-653492" y="1595793"/>
-            <a:chExt cx="10472908" cy="1790567"/>
+            <a:off x="2584540" y="1654013"/>
+            <a:ext cx="1727711" cy="678305"/>
+            <a:chOff x="740000" y="3583036"/>
+            <a:chExt cx="1727711" cy="678305"/>
           </a:xfrm>
         </p:grpSpPr>
         <p:sp>
           <p:nvSpPr>
-            <p:cNvPr id="55" name="TextBox 54"/>
-            <p:cNvSpPr txBox="1"/>
-            <p:nvPr/>
-          </p:nvSpPr>
-          <p:spPr>
-            <a:xfrm>
-              <a:off x="-653492" y="1595793"/>
-              <a:ext cx="1385221" cy="276999"/>
-            </a:xfrm>
-            <a:prstGeom prst="rect">
-              <a:avLst/>
-            </a:prstGeom>
-            <a:noFill/>
-          </p:spPr>
-          <p:txBody>
-            <a:bodyPr wrap="square" rtlCol="0">
-              <a:spAutoFit/>
-            </a:bodyPr>
-            <a:lstStyle/>
-            <a:p>
-              <a:pPr algn="ctr"/>
-              <a:r>
-                <a:rPr lang="en-GB" sz="1200" dirty="0" smtClean="0">
-                  <a:latin typeface="Arial"/>
-                  <a:cs typeface="Arial"/>
-                </a:rPr>
-                <a:t>User</a:t>
-              </a:r>
-              <a:endParaRPr lang="en-GB" sz="1200" dirty="0">
-                <a:latin typeface="Arial"/>
-                <a:cs typeface="Arial"/>
-              </a:endParaRPr>
-            </a:p>
-          </p:txBody>
-        </p:sp>
-        <p:sp>
-          <p:nvSpPr>
-            <p:cNvPr id="100" name="TextBox 99"/>
-            <p:cNvSpPr txBox="1"/>
-            <p:nvPr/>
-          </p:nvSpPr>
-          <p:spPr>
-            <a:xfrm>
-              <a:off x="-474091" y="2638922"/>
-              <a:ext cx="1385221" cy="276999"/>
-            </a:xfrm>
-            <a:prstGeom prst="rect">
-              <a:avLst/>
-            </a:prstGeom>
-            <a:noFill/>
-          </p:spPr>
-          <p:txBody>
-            <a:bodyPr wrap="square" rtlCol="0">
-              <a:spAutoFit/>
-            </a:bodyPr>
-            <a:lstStyle/>
-            <a:p>
-              <a:pPr algn="ctr"/>
-              <a:r>
-                <a:rPr lang="en-GB" sz="1200" dirty="0" err="1">
-                  <a:latin typeface="Arial"/>
-                  <a:cs typeface="Arial"/>
-                </a:rPr>
-                <a:t>DSSynth</a:t>
-              </a:r>
-              <a:endParaRPr lang="en-GB" sz="1200" dirty="0">
-                <a:latin typeface="Arial"/>
-                <a:cs typeface="Arial"/>
-              </a:endParaRPr>
-            </a:p>
-          </p:txBody>
-        </p:sp>
-        <p:cxnSp>
-          <p:nvCxnSpPr>
-            <p:cNvPr id="23" name="Straight Arrow Connector 22"/>
-            <p:cNvCxnSpPr/>
-            <p:nvPr/>
-          </p:nvCxnSpPr>
-          <p:spPr>
-            <a:xfrm>
-              <a:off x="-73476" y="2115930"/>
-              <a:ext cx="583696" cy="261"/>
-            </a:xfrm>
-            <a:prstGeom prst="straightConnector1">
-              <a:avLst/>
-            </a:prstGeom>
-            <a:ln w="6350" cmpd="sng">
-              <a:solidFill>
-                <a:srgbClr val="000000"/>
-              </a:solidFill>
-              <a:headEnd type="none"/>
-              <a:tailEnd type="stealth"/>
-            </a:ln>
-            <a:effectLst/>
-          </p:spPr>
-          <p:style>
-            <a:lnRef idx="2">
-              <a:schemeClr val="accent1"/>
-            </a:lnRef>
-            <a:fillRef idx="0">
-              <a:schemeClr val="accent1"/>
-            </a:fillRef>
-            <a:effectRef idx="1">
-              <a:schemeClr val="accent1"/>
-            </a:effectRef>
-            <a:fontRef idx="minor">
-              <a:schemeClr val="tx1"/>
-            </a:fontRef>
-          </p:style>
-        </p:cxnSp>
-        <p:cxnSp>
-          <p:nvCxnSpPr>
-            <p:cNvPr id="51" name="Straight Arrow Connector 50"/>
-            <p:cNvCxnSpPr/>
-            <p:nvPr/>
-          </p:nvCxnSpPr>
-          <p:spPr>
-            <a:xfrm>
-              <a:off x="-73474" y="1990665"/>
-              <a:ext cx="583696" cy="261"/>
-            </a:xfrm>
-            <a:prstGeom prst="straightConnector1">
-              <a:avLst/>
-            </a:prstGeom>
-            <a:ln w="6350" cmpd="sng">
-              <a:solidFill>
-                <a:srgbClr val="000000"/>
-              </a:solidFill>
-              <a:headEnd type="none"/>
-              <a:tailEnd type="stealth"/>
-            </a:ln>
-            <a:effectLst/>
-          </p:spPr>
-          <p:style>
-            <a:lnRef idx="2">
-              <a:schemeClr val="accent1"/>
-            </a:lnRef>
-            <a:fillRef idx="0">
-              <a:schemeClr val="accent1"/>
-            </a:fillRef>
-            <a:effectRef idx="1">
-              <a:schemeClr val="accent1"/>
-            </a:effectRef>
-            <a:fontRef idx="minor">
-              <a:schemeClr val="tx1"/>
-            </a:fontRef>
-          </p:style>
-        </p:cxnSp>
-        <p:cxnSp>
-          <p:nvCxnSpPr>
-            <p:cNvPr id="52" name="Straight Arrow Connector 51"/>
-            <p:cNvCxnSpPr/>
-            <p:nvPr/>
-          </p:nvCxnSpPr>
-          <p:spPr>
-            <a:xfrm>
-              <a:off x="-73473" y="1872792"/>
-              <a:ext cx="583696" cy="261"/>
-            </a:xfrm>
-            <a:prstGeom prst="straightConnector1">
-              <a:avLst/>
-            </a:prstGeom>
-            <a:ln w="6350" cmpd="sng">
-              <a:solidFill>
-                <a:srgbClr val="000000"/>
-              </a:solidFill>
-              <a:headEnd type="none"/>
-              <a:tailEnd type="stealth"/>
-            </a:ln>
-            <a:effectLst/>
-          </p:spPr>
-          <p:style>
-            <a:lnRef idx="2">
-              <a:schemeClr val="accent1"/>
-            </a:lnRef>
-            <a:fillRef idx="0">
-              <a:schemeClr val="accent1"/>
-            </a:fillRef>
-            <a:effectRef idx="1">
-              <a:schemeClr val="accent1"/>
-            </a:effectRef>
-            <a:fontRef idx="minor">
-              <a:schemeClr val="tx1"/>
-            </a:fontRef>
-          </p:style>
-        </p:cxnSp>
-        <p:grpSp>
-          <p:nvGrpSpPr>
-            <p:cNvPr id="3" name="Group 2"/>
-            <p:cNvGrpSpPr/>
-            <p:nvPr/>
-          </p:nvGrpSpPr>
-          <p:grpSpPr>
-            <a:xfrm>
-              <a:off x="2584540" y="1654013"/>
-              <a:ext cx="1727711" cy="678305"/>
-              <a:chOff x="740000" y="3583036"/>
-              <a:chExt cx="1727711" cy="678305"/>
-            </a:xfrm>
-          </p:grpSpPr>
-          <p:sp>
-            <p:nvSpPr>
-              <p:cNvPr id="33" name="Process 32"/>
-              <p:cNvSpPr/>
-              <p:nvPr/>
-            </p:nvSpPr>
-            <p:spPr>
-              <a:xfrm>
-                <a:off x="740000" y="3583036"/>
-                <a:ext cx="1727138" cy="677732"/>
-              </a:xfrm>
-              <a:prstGeom prst="flowChartProcess">
-                <a:avLst/>
-              </a:prstGeom>
-              <a:solidFill>
-                <a:schemeClr val="bg1"/>
-              </a:solidFill>
-              <a:ln w="6350" cmpd="sng">
-                <a:solidFill>
-                  <a:schemeClr val="tx1"/>
-                </a:solidFill>
-              </a:ln>
-              <a:effectLst/>
-            </p:spPr>
-            <p:style>
-              <a:lnRef idx="1">
-                <a:schemeClr val="accent1"/>
-              </a:lnRef>
-              <a:fillRef idx="3">
-                <a:schemeClr val="accent1"/>
-              </a:fillRef>
-              <a:effectRef idx="2">
-                <a:schemeClr val="accent1"/>
-              </a:effectRef>
-              <a:fontRef idx="minor">
-                <a:schemeClr val="lt1"/>
-              </a:fontRef>
-            </p:style>
-            <p:txBody>
-              <a:bodyPr rtlCol="0" anchor="ctr"/>
-              <a:lstStyle/>
-              <a:p>
-                <a:pPr algn="ctr"/>
-                <a:endParaRPr lang="en-GB" sz="1000" dirty="0" smtClean="0">
-                  <a:solidFill>
-                    <a:schemeClr val="tx1"/>
-                  </a:solidFill>
-                  <a:latin typeface="Arial"/>
-                  <a:cs typeface="Arial"/>
-                </a:endParaRPr>
-              </a:p>
-              <a:p>
-                <a:pPr algn="ctr"/>
-                <a:r>
-                  <a:rPr lang="en-GB" sz="1100" dirty="0" smtClean="0">
-                    <a:solidFill>
-                      <a:schemeClr val="tx1"/>
-                    </a:solidFill>
-                    <a:latin typeface="Arial"/>
-                    <a:cs typeface="Arial"/>
-                  </a:rPr>
-                  <a:t>Define controller numerical representation</a:t>
-                </a:r>
-                <a:endParaRPr lang="en-GB" sz="1100" dirty="0">
-                  <a:solidFill>
-                    <a:schemeClr val="tx1"/>
-                  </a:solidFill>
-                  <a:latin typeface="Arial"/>
-                  <a:cs typeface="Arial"/>
-                </a:endParaRPr>
-              </a:p>
-            </p:txBody>
-          </p:sp>
-          <p:sp>
-            <p:nvSpPr>
-              <p:cNvPr id="34" name="Process 33"/>
-              <p:cNvSpPr/>
-              <p:nvPr/>
-            </p:nvSpPr>
-            <p:spPr>
-              <a:xfrm>
-                <a:off x="740001" y="3583609"/>
-                <a:ext cx="1727710" cy="677732"/>
-              </a:xfrm>
-              <a:prstGeom prst="flowChartProcess">
-                <a:avLst/>
-              </a:prstGeom>
-              <a:noFill/>
-              <a:ln w="6350" cmpd="sng">
-                <a:solidFill>
-                  <a:schemeClr val="tx1"/>
-                </a:solidFill>
-              </a:ln>
-              <a:effectLst/>
-            </p:spPr>
-            <p:style>
-              <a:lnRef idx="1">
-                <a:schemeClr val="accent1"/>
-              </a:lnRef>
-              <a:fillRef idx="3">
-                <a:schemeClr val="accent1"/>
-              </a:fillRef>
-              <a:effectRef idx="2">
-                <a:schemeClr val="accent1"/>
-              </a:effectRef>
-              <a:fontRef idx="minor">
-                <a:schemeClr val="lt1"/>
-              </a:fontRef>
-            </p:style>
-            <p:txBody>
-              <a:bodyPr rtlCol="0" anchor="ctr"/>
-              <a:lstStyle/>
-              <a:p>
-                <a:pPr algn="ctr"/>
-                <a:r>
-                  <a:rPr lang="en-GB" sz="1200" b="1" dirty="0" smtClean="0">
-                    <a:solidFill>
-                      <a:schemeClr val="tx1"/>
-                    </a:solidFill>
-                    <a:latin typeface="Arial"/>
-                    <a:cs typeface="Arial"/>
-                  </a:rPr>
-                  <a:t>Step 2</a:t>
-                </a:r>
-              </a:p>
-              <a:p>
-                <a:pPr algn="ctr"/>
-                <a:endParaRPr lang="en-GB" sz="1200" dirty="0">
-                  <a:solidFill>
-                    <a:schemeClr val="tx1"/>
-                  </a:solidFill>
-                  <a:latin typeface="Arial"/>
-                  <a:cs typeface="Arial"/>
-                </a:endParaRPr>
-              </a:p>
-              <a:p>
-                <a:pPr algn="ctr"/>
-                <a:endParaRPr lang="en-GB" sz="1200" dirty="0" smtClean="0">
-                  <a:solidFill>
-                    <a:schemeClr val="tx1"/>
-                  </a:solidFill>
-                  <a:latin typeface="Arial"/>
-                  <a:cs typeface="Arial"/>
-                </a:endParaRPr>
-              </a:p>
-            </p:txBody>
-          </p:sp>
-        </p:grpSp>
-        <p:grpSp>
-          <p:nvGrpSpPr>
-            <p:cNvPr id="35" name="Group 34"/>
-            <p:cNvGrpSpPr/>
-            <p:nvPr/>
-          </p:nvGrpSpPr>
-          <p:grpSpPr>
-            <a:xfrm>
-              <a:off x="594882" y="1654013"/>
-              <a:ext cx="1652886" cy="678305"/>
-              <a:chOff x="814824" y="3583036"/>
-              <a:chExt cx="1652886" cy="678305"/>
-            </a:xfrm>
-          </p:grpSpPr>
-          <p:sp>
-            <p:nvSpPr>
-              <p:cNvPr id="37" name="Process 36"/>
-              <p:cNvSpPr/>
-              <p:nvPr/>
-            </p:nvSpPr>
-            <p:spPr>
-              <a:xfrm>
-                <a:off x="814824" y="3583036"/>
-                <a:ext cx="1652313" cy="677732"/>
-              </a:xfrm>
-              <a:prstGeom prst="flowChartProcess">
-                <a:avLst/>
-              </a:prstGeom>
-              <a:solidFill>
-                <a:schemeClr val="bg1"/>
-              </a:solidFill>
-              <a:ln w="6350" cmpd="sng">
-                <a:solidFill>
-                  <a:schemeClr val="tx1"/>
-                </a:solidFill>
-              </a:ln>
-              <a:effectLst/>
-            </p:spPr>
-            <p:style>
-              <a:lnRef idx="1">
-                <a:schemeClr val="accent1"/>
-              </a:lnRef>
-              <a:fillRef idx="3">
-                <a:schemeClr val="accent1"/>
-              </a:fillRef>
-              <a:effectRef idx="2">
-                <a:schemeClr val="accent1"/>
-              </a:effectRef>
-              <a:fontRef idx="minor">
-                <a:schemeClr val="lt1"/>
-              </a:fontRef>
-            </p:style>
-            <p:txBody>
-              <a:bodyPr rtlCol="0" anchor="ctr"/>
-              <a:lstStyle/>
-              <a:p>
-                <a:pPr algn="ctr"/>
-                <a:endParaRPr lang="en-GB" sz="1000" dirty="0" smtClean="0">
-                  <a:solidFill>
-                    <a:schemeClr val="tx1"/>
-                  </a:solidFill>
-                  <a:latin typeface="Arial"/>
-                  <a:cs typeface="Arial"/>
-                </a:endParaRPr>
-              </a:p>
-              <a:p>
-                <a:pPr algn="ctr"/>
-                <a:r>
-                  <a:rPr lang="en-GB" sz="1200" dirty="0" smtClean="0">
-                    <a:solidFill>
-                      <a:schemeClr val="tx1"/>
-                    </a:solidFill>
-                    <a:latin typeface="Arial"/>
-                    <a:cs typeface="Arial"/>
-                  </a:rPr>
-                  <a:t>Determine plant model and intervals</a:t>
-                </a:r>
-                <a:endParaRPr lang="en-GB" sz="1200" dirty="0">
-                  <a:solidFill>
-                    <a:schemeClr val="tx1"/>
-                  </a:solidFill>
-                  <a:latin typeface="Arial"/>
-                  <a:cs typeface="Arial"/>
-                </a:endParaRPr>
-              </a:p>
-            </p:txBody>
-          </p:sp>
-          <p:sp>
-            <p:nvSpPr>
-              <p:cNvPr id="38" name="Process 37"/>
-              <p:cNvSpPr/>
-              <p:nvPr/>
-            </p:nvSpPr>
-            <p:spPr>
-              <a:xfrm>
-                <a:off x="815397" y="3583609"/>
-                <a:ext cx="1652313" cy="677732"/>
-              </a:xfrm>
-              <a:prstGeom prst="flowChartProcess">
-                <a:avLst/>
-              </a:prstGeom>
-              <a:noFill/>
-              <a:ln w="6350" cmpd="sng">
-                <a:solidFill>
-                  <a:schemeClr val="tx1"/>
-                </a:solidFill>
-              </a:ln>
-              <a:effectLst/>
-            </p:spPr>
-            <p:style>
-              <a:lnRef idx="1">
-                <a:schemeClr val="accent1"/>
-              </a:lnRef>
-              <a:fillRef idx="3">
-                <a:schemeClr val="accent1"/>
-              </a:fillRef>
-              <a:effectRef idx="2">
-                <a:schemeClr val="accent1"/>
-              </a:effectRef>
-              <a:fontRef idx="minor">
-                <a:schemeClr val="lt1"/>
-              </a:fontRef>
-            </p:style>
-            <p:txBody>
-              <a:bodyPr rtlCol="0" anchor="ctr"/>
-              <a:lstStyle/>
-              <a:p>
-                <a:pPr algn="ctr"/>
-                <a:r>
-                  <a:rPr lang="en-GB" sz="1200" b="1" dirty="0" smtClean="0">
-                    <a:solidFill>
-                      <a:schemeClr val="tx1"/>
-                    </a:solidFill>
-                    <a:latin typeface="Arial"/>
-                    <a:cs typeface="Arial"/>
-                  </a:rPr>
-                  <a:t>Step 1</a:t>
-                </a:r>
-              </a:p>
-              <a:p>
-                <a:pPr algn="ctr"/>
-                <a:endParaRPr lang="en-GB" sz="1200" dirty="0">
-                  <a:solidFill>
-                    <a:schemeClr val="tx1"/>
-                  </a:solidFill>
-                  <a:latin typeface="Arial"/>
-                  <a:cs typeface="Arial"/>
-                </a:endParaRPr>
-              </a:p>
-              <a:p>
-                <a:pPr algn="ctr"/>
-                <a:endParaRPr lang="en-GB" sz="1200" dirty="0" smtClean="0">
-                  <a:solidFill>
-                    <a:schemeClr val="tx1"/>
-                  </a:solidFill>
-                  <a:latin typeface="Arial"/>
-                  <a:cs typeface="Arial"/>
-                </a:endParaRPr>
-              </a:p>
-            </p:txBody>
-          </p:sp>
-        </p:grpSp>
-        <p:grpSp>
-          <p:nvGrpSpPr>
-            <p:cNvPr id="46" name="Group 45"/>
-            <p:cNvGrpSpPr/>
-            <p:nvPr/>
-          </p:nvGrpSpPr>
-          <p:grpSpPr>
-            <a:xfrm>
-              <a:off x="4671057" y="1651502"/>
-              <a:ext cx="1652886" cy="678305"/>
-              <a:chOff x="814824" y="3583036"/>
-              <a:chExt cx="1652886" cy="678305"/>
-            </a:xfrm>
-          </p:grpSpPr>
-          <p:sp>
-            <p:nvSpPr>
-              <p:cNvPr id="47" name="Process 46"/>
-              <p:cNvSpPr/>
-              <p:nvPr/>
-            </p:nvSpPr>
-            <p:spPr>
-              <a:xfrm>
-                <a:off x="814824" y="3583036"/>
-                <a:ext cx="1652313" cy="677732"/>
-              </a:xfrm>
-              <a:prstGeom prst="flowChartProcess">
-                <a:avLst/>
-              </a:prstGeom>
-              <a:solidFill>
-                <a:schemeClr val="bg1"/>
-              </a:solidFill>
-              <a:ln w="6350" cmpd="sng">
-                <a:solidFill>
-                  <a:schemeClr val="tx1"/>
-                </a:solidFill>
-              </a:ln>
-              <a:effectLst/>
-            </p:spPr>
-            <p:style>
-              <a:lnRef idx="1">
-                <a:schemeClr val="accent1"/>
-              </a:lnRef>
-              <a:fillRef idx="3">
-                <a:schemeClr val="accent1"/>
-              </a:fillRef>
-              <a:effectRef idx="2">
-                <a:schemeClr val="accent1"/>
-              </a:effectRef>
-              <a:fontRef idx="minor">
-                <a:schemeClr val="lt1"/>
-              </a:fontRef>
-            </p:style>
-            <p:txBody>
-              <a:bodyPr rtlCol="0" anchor="ctr"/>
-              <a:lstStyle/>
-              <a:p>
-                <a:pPr algn="ctr"/>
-                <a:endParaRPr lang="en-GB" sz="1000" dirty="0" smtClean="0">
-                  <a:solidFill>
-                    <a:schemeClr val="tx1"/>
-                  </a:solidFill>
-                  <a:latin typeface="Arial"/>
-                  <a:cs typeface="Arial"/>
-                </a:endParaRPr>
-              </a:p>
-              <a:p>
-                <a:pPr algn="ctr"/>
-                <a:r>
-                  <a:rPr lang="en-GB" sz="1200" dirty="0">
-                    <a:solidFill>
-                      <a:schemeClr val="tx1"/>
-                    </a:solidFill>
-                    <a:latin typeface="Arial"/>
-                    <a:cs typeface="Arial"/>
-                  </a:rPr>
-                  <a:t>Define controller realization form</a:t>
-                </a:r>
-              </a:p>
-            </p:txBody>
-          </p:sp>
-          <p:sp>
-            <p:nvSpPr>
-              <p:cNvPr id="57" name="Process 56"/>
-              <p:cNvSpPr/>
-              <p:nvPr/>
-            </p:nvSpPr>
-            <p:spPr>
-              <a:xfrm>
-                <a:off x="815397" y="3583609"/>
-                <a:ext cx="1652313" cy="677732"/>
-              </a:xfrm>
-              <a:prstGeom prst="flowChartProcess">
-                <a:avLst/>
-              </a:prstGeom>
-              <a:noFill/>
-              <a:ln w="6350" cmpd="sng">
-                <a:solidFill>
-                  <a:schemeClr val="tx1"/>
-                </a:solidFill>
-              </a:ln>
-              <a:effectLst/>
-            </p:spPr>
-            <p:style>
-              <a:lnRef idx="1">
-                <a:schemeClr val="accent1"/>
-              </a:lnRef>
-              <a:fillRef idx="3">
-                <a:schemeClr val="accent1"/>
-              </a:fillRef>
-              <a:effectRef idx="2">
-                <a:schemeClr val="accent1"/>
-              </a:effectRef>
-              <a:fontRef idx="minor">
-                <a:schemeClr val="lt1"/>
-              </a:fontRef>
-            </p:style>
-            <p:txBody>
-              <a:bodyPr rtlCol="0" anchor="ctr"/>
-              <a:lstStyle/>
-              <a:p>
-                <a:pPr algn="ctr"/>
-                <a:r>
-                  <a:rPr lang="en-GB" sz="1200" b="1" dirty="0" smtClean="0">
-                    <a:solidFill>
-                      <a:schemeClr val="tx1"/>
-                    </a:solidFill>
-                    <a:latin typeface="Arial"/>
-                    <a:cs typeface="Arial"/>
-                  </a:rPr>
-                  <a:t>Step 3</a:t>
-                </a:r>
-              </a:p>
-              <a:p>
-                <a:pPr algn="ctr"/>
-                <a:endParaRPr lang="en-GB" sz="1200" dirty="0">
-                  <a:solidFill>
-                    <a:schemeClr val="tx1"/>
-                  </a:solidFill>
-                  <a:latin typeface="Arial"/>
-                  <a:cs typeface="Arial"/>
-                </a:endParaRPr>
-              </a:p>
-              <a:p>
-                <a:pPr algn="ctr"/>
-                <a:endParaRPr lang="en-GB" sz="1200" dirty="0" smtClean="0">
-                  <a:solidFill>
-                    <a:schemeClr val="tx1"/>
-                  </a:solidFill>
-                  <a:latin typeface="Arial"/>
-                  <a:cs typeface="Arial"/>
-                </a:endParaRPr>
-              </a:p>
-            </p:txBody>
-          </p:sp>
-        </p:grpSp>
-        <p:sp>
-          <p:nvSpPr>
-            <p:cNvPr id="60" name="Process 59"/>
+            <p:cNvPr id="33" name="Process 32"/>
             <p:cNvSpPr/>
             <p:nvPr/>
           </p:nvSpPr>
           <p:spPr>
             <a:xfrm>
-              <a:off x="606476" y="2707482"/>
-              <a:ext cx="1752639" cy="677732"/>
+              <a:off x="740000" y="3583036"/>
+              <a:ext cx="1727138" cy="677732"/>
             </a:xfrm>
             <a:prstGeom prst="flowChartProcess">
               <a:avLst/>
             </a:prstGeom>
             <a:solidFill>
-              <a:srgbClr val="F2F2F2"/>
+              <a:schemeClr val="bg1"/>
             </a:solidFill>
             <a:ln w="6350" cmpd="sng">
               <a:solidFill>
@@ -3853,7 +3372,7 @@
                   <a:latin typeface="Arial"/>
                   <a:cs typeface="Arial"/>
                 </a:rPr>
-                <a:t>Construct a non-deterministic plant model</a:t>
+                <a:t>Define controller numerical representation</a:t>
               </a:r>
               <a:endParaRPr lang="en-GB" sz="1100" dirty="0">
                 <a:solidFill>
@@ -3867,14 +3386,14 @@
         </p:sp>
         <p:sp>
           <p:nvSpPr>
-            <p:cNvPr id="62" name="Process 61"/>
+            <p:cNvPr id="34" name="Process 33"/>
             <p:cNvSpPr/>
             <p:nvPr/>
           </p:nvSpPr>
           <p:spPr>
             <a:xfrm>
-              <a:off x="607049" y="2708055"/>
-              <a:ext cx="1752066" cy="677732"/>
+              <a:off x="740001" y="3583609"/>
+              <a:ext cx="1727710" cy="677732"/>
             </a:xfrm>
             <a:prstGeom prst="flowChartProcess">
               <a:avLst/>
@@ -3914,7 +3433,7 @@
                   <a:latin typeface="Arial"/>
                   <a:cs typeface="Arial"/>
                 </a:rPr>
-                <a:t>Step A</a:t>
+                <a:t>Step 2</a:t>
               </a:r>
             </a:p>
             <a:p>
@@ -3939,102 +3458,37 @@
             </a:p>
           </p:txBody>
         </p:sp>
-        <p:cxnSp>
-          <p:nvCxnSpPr>
-            <p:cNvPr id="63" name="Straight Arrow Connector 62"/>
-            <p:cNvCxnSpPr>
-              <a:stCxn id="37" idx="3"/>
-            </p:cNvCxnSpPr>
-            <p:nvPr/>
-          </p:nvCxnSpPr>
-          <p:spPr>
-            <a:xfrm flipV="1">
-              <a:off x="2247195" y="1992087"/>
-              <a:ext cx="338398" cy="792"/>
-            </a:xfrm>
-            <a:prstGeom prst="straightConnector1">
-              <a:avLst/>
-            </a:prstGeom>
-            <a:ln w="6350" cmpd="sng">
-              <a:solidFill>
-                <a:srgbClr val="000000"/>
-              </a:solidFill>
-              <a:headEnd type="none"/>
-              <a:tailEnd type="stealth"/>
-            </a:ln>
-            <a:effectLst/>
-          </p:spPr>
-          <p:style>
-            <a:lnRef idx="2">
-              <a:schemeClr val="accent1"/>
-            </a:lnRef>
-            <a:fillRef idx="0">
-              <a:schemeClr val="accent1"/>
-            </a:fillRef>
-            <a:effectRef idx="1">
-              <a:schemeClr val="accent1"/>
-            </a:effectRef>
-            <a:fontRef idx="minor">
-              <a:schemeClr val="tx1"/>
-            </a:fontRef>
-          </p:style>
-        </p:cxnSp>
-        <p:cxnSp>
-          <p:nvCxnSpPr>
-            <p:cNvPr id="67" name="Straight Arrow Connector 66"/>
-            <p:cNvCxnSpPr>
-              <a:endCxn id="47" idx="1"/>
-            </p:cNvCxnSpPr>
-            <p:nvPr/>
-          </p:nvCxnSpPr>
-          <p:spPr>
-            <a:xfrm flipV="1">
-              <a:off x="4331513" y="1990368"/>
-              <a:ext cx="339544" cy="1719"/>
-            </a:xfrm>
-            <a:prstGeom prst="straightConnector1">
-              <a:avLst/>
-            </a:prstGeom>
-            <a:ln w="6350" cmpd="sng">
-              <a:solidFill>
-                <a:srgbClr val="000000"/>
-              </a:solidFill>
-              <a:headEnd type="none"/>
-              <a:tailEnd type="stealth"/>
-            </a:ln>
-            <a:effectLst/>
-          </p:spPr>
-          <p:style>
-            <a:lnRef idx="2">
-              <a:schemeClr val="accent1"/>
-            </a:lnRef>
-            <a:fillRef idx="0">
-              <a:schemeClr val="accent1"/>
-            </a:fillRef>
-            <a:effectRef idx="1">
-              <a:schemeClr val="accent1"/>
-            </a:effectRef>
-            <a:fontRef idx="minor">
-              <a:schemeClr val="tx1"/>
-            </a:fontRef>
-          </p:style>
-        </p:cxnSp>
+      </p:grpSp>
+      <p:grpSp>
+        <p:nvGrpSpPr>
+          <p:cNvPr id="35" name="Group 34"/>
+          <p:cNvGrpSpPr/>
+          <p:nvPr/>
+        </p:nvGrpSpPr>
+        <p:grpSpPr>
+          <a:xfrm>
+            <a:off x="594882" y="1654013"/>
+            <a:ext cx="1652886" cy="678305"/>
+            <a:chOff x="814824" y="3583036"/>
+            <a:chExt cx="1652886" cy="678305"/>
+          </a:xfrm>
+        </p:grpSpPr>
         <p:sp>
           <p:nvSpPr>
-            <p:cNvPr id="69" name="Process 68"/>
+            <p:cNvPr id="37" name="Process 36"/>
             <p:cNvSpPr/>
             <p:nvPr/>
           </p:nvSpPr>
           <p:spPr>
             <a:xfrm>
-              <a:off x="2597187" y="2706909"/>
+              <a:off x="814824" y="3583036"/>
               <a:ext cx="1652313" cy="677732"/>
             </a:xfrm>
             <a:prstGeom prst="flowChartProcess">
               <a:avLst/>
             </a:prstGeom>
             <a:solidFill>
-              <a:srgbClr val="F2F2F2"/>
+              <a:schemeClr val="bg1"/>
             </a:solidFill>
             <a:ln w="6350" cmpd="sng">
               <a:solidFill>
@@ -4080,7 +3534,7 @@
                   <a:latin typeface="Arial"/>
                   <a:cs typeface="Arial"/>
                 </a:rPr>
-                <a:t>Formulate a FWL effect function</a:t>
+                <a:t>Determine plant model and intervals</a:t>
               </a:r>
               <a:endParaRPr lang="en-GB" sz="1200" dirty="0">
                 <a:solidFill>
@@ -4094,13 +3548,13 @@
         </p:sp>
         <p:sp>
           <p:nvSpPr>
-            <p:cNvPr id="70" name="Process 69"/>
+            <p:cNvPr id="38" name="Process 37"/>
             <p:cNvSpPr/>
             <p:nvPr/>
           </p:nvSpPr>
           <p:spPr>
             <a:xfrm>
-              <a:off x="2597760" y="2707482"/>
+              <a:off x="815397" y="3583609"/>
               <a:ext cx="1652313" cy="677732"/>
             </a:xfrm>
             <a:prstGeom prst="flowChartProcess">
@@ -4141,7 +3595,7 @@
                   <a:latin typeface="Arial"/>
                   <a:cs typeface="Arial"/>
                 </a:rPr>
-                <a:t>Step B</a:t>
+                <a:t>Step 1</a:t>
               </a:r>
             </a:p>
             <a:p>
@@ -4166,22 +3620,37 @@
             </a:p>
           </p:txBody>
         </p:sp>
+      </p:grpSp>
+      <p:grpSp>
+        <p:nvGrpSpPr>
+          <p:cNvPr id="46" name="Group 45"/>
+          <p:cNvGrpSpPr/>
+          <p:nvPr/>
+        </p:nvGrpSpPr>
+        <p:grpSpPr>
+          <a:xfrm>
+            <a:off x="4671057" y="1651502"/>
+            <a:ext cx="1652886" cy="678305"/>
+            <a:chOff x="814824" y="3583036"/>
+            <a:chExt cx="1652886" cy="678305"/>
+          </a:xfrm>
+        </p:grpSpPr>
         <p:sp>
           <p:nvSpPr>
-            <p:cNvPr id="72" name="Process 71"/>
+            <p:cNvPr id="47" name="Process 46"/>
             <p:cNvSpPr/>
             <p:nvPr/>
           </p:nvSpPr>
           <p:spPr>
             <a:xfrm>
-              <a:off x="4586752" y="2708055"/>
+              <a:off x="814824" y="3583036"/>
               <a:ext cx="1652313" cy="677732"/>
             </a:xfrm>
             <a:prstGeom prst="flowChartProcess">
               <a:avLst/>
             </a:prstGeom>
             <a:solidFill>
-              <a:srgbClr val="F2F2F2"/>
+              <a:schemeClr val="bg1"/>
             </a:solidFill>
             <a:ln w="6350" cmpd="sng">
               <a:solidFill>
@@ -4220,34 +3689,27 @@
             <a:p>
               <a:pPr algn="ctr"/>
               <a:r>
-                <a:rPr lang="en-GB" sz="1200" dirty="0" smtClean="0">
+                <a:rPr lang="en-GB" sz="1200" dirty="0">
                   <a:solidFill>
                     <a:schemeClr val="tx1"/>
                   </a:solidFill>
                   <a:latin typeface="Arial"/>
                   <a:cs typeface="Arial"/>
                 </a:rPr>
-                <a:t>Compute FWL controller model</a:t>
+                <a:t>Define controller realization form</a:t>
               </a:r>
-              <a:endParaRPr lang="en-GB" sz="1200" dirty="0">
-                <a:solidFill>
-                  <a:schemeClr val="tx1"/>
-                </a:solidFill>
-                <a:latin typeface="Arial"/>
-                <a:cs typeface="Arial"/>
-              </a:endParaRPr>
             </a:p>
           </p:txBody>
         </p:sp>
         <p:sp>
           <p:nvSpPr>
-            <p:cNvPr id="73" name="Process 72"/>
+            <p:cNvPr id="57" name="Process 56"/>
             <p:cNvSpPr/>
             <p:nvPr/>
           </p:nvSpPr>
           <p:spPr>
             <a:xfrm>
-              <a:off x="4587325" y="2708628"/>
+              <a:off x="815397" y="3583609"/>
               <a:ext cx="1652313" cy="677732"/>
             </a:xfrm>
             <a:prstGeom prst="flowChartProcess">
@@ -4288,7 +3750,7 @@
                   <a:latin typeface="Arial"/>
                   <a:cs typeface="Arial"/>
                 </a:rPr>
-                <a:t>Step C</a:t>
+                <a:t>Step 3</a:t>
               </a:r>
             </a:p>
             <a:p>
@@ -4313,639 +3775,1161 @@
             </a:p>
           </p:txBody>
         </p:sp>
-        <p:sp>
-          <p:nvSpPr>
-            <p:cNvPr id="75" name="Process 74"/>
-            <p:cNvSpPr/>
-            <p:nvPr/>
-          </p:nvSpPr>
-          <p:spPr>
-            <a:xfrm>
-              <a:off x="8166530" y="2702000"/>
-              <a:ext cx="1652313" cy="677732"/>
-            </a:xfrm>
-            <a:prstGeom prst="flowChartProcess">
-              <a:avLst/>
-            </a:prstGeom>
+      </p:grpSp>
+      <p:sp>
+        <p:nvSpPr>
+          <p:cNvPr id="60" name="Process 59"/>
+          <p:cNvSpPr/>
+          <p:nvPr/>
+        </p:nvSpPr>
+        <p:spPr>
+          <a:xfrm>
+            <a:off x="606476" y="2707482"/>
+            <a:ext cx="1752639" cy="677732"/>
+          </a:xfrm>
+          <a:prstGeom prst="flowChartProcess">
+            <a:avLst/>
+          </a:prstGeom>
+          <a:solidFill>
+            <a:srgbClr val="F2F2F2"/>
+          </a:solidFill>
+          <a:ln w="6350" cmpd="sng">
             <a:solidFill>
-              <a:srgbClr val="F2F2F2"/>
+              <a:schemeClr val="tx1"/>
             </a:solidFill>
-            <a:ln w="6350" cmpd="sng">
+          </a:ln>
+          <a:effectLst/>
+        </p:spPr>
+        <p:style>
+          <a:lnRef idx="1">
+            <a:schemeClr val="accent1"/>
+          </a:lnRef>
+          <a:fillRef idx="3">
+            <a:schemeClr val="accent1"/>
+          </a:fillRef>
+          <a:effectRef idx="2">
+            <a:schemeClr val="accent1"/>
+          </a:effectRef>
+          <a:fontRef idx="minor">
+            <a:schemeClr val="lt1"/>
+          </a:fontRef>
+        </p:style>
+        <p:txBody>
+          <a:bodyPr rtlCol="0" anchor="ctr"/>
+          <a:lstStyle/>
+          <a:p>
+            <a:pPr algn="ctr"/>
+            <a:endParaRPr lang="en-GB" sz="1000" dirty="0" smtClean="0">
               <a:solidFill>
                 <a:schemeClr val="tx1"/>
               </a:solidFill>
-            </a:ln>
-            <a:effectLst/>
-          </p:spPr>
-          <p:style>
-            <a:lnRef idx="1">
-              <a:schemeClr val="accent1"/>
-            </a:lnRef>
-            <a:fillRef idx="3">
-              <a:schemeClr val="accent1"/>
-            </a:fillRef>
-            <a:effectRef idx="2">
-              <a:schemeClr val="accent1"/>
-            </a:effectRef>
-            <a:fontRef idx="minor">
-              <a:schemeClr val="lt1"/>
-            </a:fontRef>
-          </p:style>
-          <p:txBody>
-            <a:bodyPr rtlCol="0" anchor="ctr"/>
-            <a:lstStyle/>
-            <a:p>
-              <a:pPr algn="ctr"/>
-              <a:endParaRPr lang="en-GB" sz="1000" dirty="0" smtClean="0">
+              <a:latin typeface="Arial"/>
+              <a:cs typeface="Arial"/>
+            </a:endParaRPr>
+          </a:p>
+          <a:p>
+            <a:pPr algn="ctr"/>
+            <a:r>
+              <a:rPr lang="en-GB" sz="1100" dirty="0" smtClean="0">
                 <a:solidFill>
                   <a:schemeClr val="tx1"/>
                 </a:solidFill>
                 <a:latin typeface="Arial"/>
                 <a:cs typeface="Arial"/>
-              </a:endParaRPr>
-            </a:p>
-            <a:p>
-              <a:pPr algn="ctr"/>
-              <a:r>
-                <a:rPr lang="en-GB" sz="1200" dirty="0" smtClean="0">
-                  <a:solidFill>
-                    <a:schemeClr val="tx1"/>
-                  </a:solidFill>
-                  <a:latin typeface="Arial"/>
-                  <a:cs typeface="Arial"/>
-                </a:rPr>
-                <a:t>Synthesise digital controller</a:t>
-              </a:r>
-              <a:endParaRPr lang="en-GB" sz="1200" dirty="0">
+              </a:rPr>
+              <a:t>Construct a non-deterministic plant model</a:t>
+            </a:r>
+            <a:endParaRPr lang="en-GB" sz="1100" dirty="0">
+              <a:solidFill>
+                <a:schemeClr val="tx1"/>
+              </a:solidFill>
+              <a:latin typeface="Arial"/>
+              <a:cs typeface="Arial"/>
+            </a:endParaRPr>
+          </a:p>
+        </p:txBody>
+      </p:sp>
+      <p:sp>
+        <p:nvSpPr>
+          <p:cNvPr id="62" name="Process 61"/>
+          <p:cNvSpPr/>
+          <p:nvPr/>
+        </p:nvSpPr>
+        <p:spPr>
+          <a:xfrm>
+            <a:off x="607049" y="2708055"/>
+            <a:ext cx="1752066" cy="677732"/>
+          </a:xfrm>
+          <a:prstGeom prst="flowChartProcess">
+            <a:avLst/>
+          </a:prstGeom>
+          <a:noFill/>
+          <a:ln w="6350" cmpd="sng">
+            <a:solidFill>
+              <a:schemeClr val="tx1"/>
+            </a:solidFill>
+          </a:ln>
+          <a:effectLst/>
+        </p:spPr>
+        <p:style>
+          <a:lnRef idx="1">
+            <a:schemeClr val="accent1"/>
+          </a:lnRef>
+          <a:fillRef idx="3">
+            <a:schemeClr val="accent1"/>
+          </a:fillRef>
+          <a:effectRef idx="2">
+            <a:schemeClr val="accent1"/>
+          </a:effectRef>
+          <a:fontRef idx="minor">
+            <a:schemeClr val="lt1"/>
+          </a:fontRef>
+        </p:style>
+        <p:txBody>
+          <a:bodyPr rtlCol="0" anchor="ctr"/>
+          <a:lstStyle/>
+          <a:p>
+            <a:pPr algn="ctr"/>
+            <a:r>
+              <a:rPr lang="en-GB" sz="1200" b="1" dirty="0" smtClean="0">
                 <a:solidFill>
                   <a:schemeClr val="tx1"/>
                 </a:solidFill>
                 <a:latin typeface="Arial"/>
                 <a:cs typeface="Arial"/>
-              </a:endParaRPr>
-            </a:p>
-          </p:txBody>
-        </p:sp>
-        <p:sp>
-          <p:nvSpPr>
-            <p:cNvPr id="76" name="Process 75"/>
-            <p:cNvSpPr/>
-            <p:nvPr/>
-          </p:nvSpPr>
-          <p:spPr>
-            <a:xfrm>
-              <a:off x="8167103" y="2702573"/>
-              <a:ext cx="1652313" cy="677732"/>
-            </a:xfrm>
-            <a:prstGeom prst="flowChartProcess">
-              <a:avLst/>
-            </a:prstGeom>
-            <a:noFill/>
-            <a:ln w="6350" cmpd="sng">
+              </a:rPr>
+              <a:t>Step A</a:t>
+            </a:r>
+          </a:p>
+          <a:p>
+            <a:pPr algn="ctr"/>
+            <a:endParaRPr lang="en-GB" sz="1200" dirty="0">
               <a:solidFill>
                 <a:schemeClr val="tx1"/>
               </a:solidFill>
-            </a:ln>
-            <a:effectLst/>
-          </p:spPr>
-          <p:style>
-            <a:lnRef idx="1">
-              <a:schemeClr val="accent1"/>
-            </a:lnRef>
-            <a:fillRef idx="3">
-              <a:schemeClr val="accent1"/>
-            </a:fillRef>
-            <a:effectRef idx="2">
-              <a:schemeClr val="accent1"/>
-            </a:effectRef>
-            <a:fontRef idx="minor">
-              <a:schemeClr val="lt1"/>
-            </a:fontRef>
-          </p:style>
-          <p:txBody>
-            <a:bodyPr rtlCol="0" anchor="ctr"/>
-            <a:lstStyle/>
-            <a:p>
-              <a:pPr algn="ctr"/>
-              <a:r>
-                <a:rPr lang="en-GB" sz="1200" b="1" dirty="0" smtClean="0">
-                  <a:solidFill>
-                    <a:schemeClr val="tx1"/>
-                  </a:solidFill>
-                  <a:latin typeface="Arial"/>
-                  <a:cs typeface="Arial"/>
-                </a:rPr>
-                <a:t>Step D</a:t>
-              </a:r>
-            </a:p>
-            <a:p>
-              <a:pPr algn="ctr"/>
-              <a:endParaRPr lang="en-GB" sz="1200" dirty="0">
+              <a:latin typeface="Arial"/>
+              <a:cs typeface="Arial"/>
+            </a:endParaRPr>
+          </a:p>
+          <a:p>
+            <a:pPr algn="ctr"/>
+            <a:endParaRPr lang="en-GB" sz="1200" dirty="0" smtClean="0">
+              <a:solidFill>
+                <a:schemeClr val="tx1"/>
+              </a:solidFill>
+              <a:latin typeface="Arial"/>
+              <a:cs typeface="Arial"/>
+            </a:endParaRPr>
+          </a:p>
+        </p:txBody>
+      </p:sp>
+      <p:cxnSp>
+        <p:nvCxnSpPr>
+          <p:cNvPr id="63" name="Straight Arrow Connector 62"/>
+          <p:cNvCxnSpPr>
+            <a:stCxn id="37" idx="3"/>
+          </p:cNvCxnSpPr>
+          <p:nvPr/>
+        </p:nvCxnSpPr>
+        <p:spPr>
+          <a:xfrm flipV="1">
+            <a:off x="2247195" y="1992087"/>
+            <a:ext cx="338398" cy="792"/>
+          </a:xfrm>
+          <a:prstGeom prst="straightConnector1">
+            <a:avLst/>
+          </a:prstGeom>
+          <a:ln w="6350" cmpd="sng">
+            <a:solidFill>
+              <a:srgbClr val="000000"/>
+            </a:solidFill>
+            <a:headEnd type="none"/>
+            <a:tailEnd type="stealth"/>
+          </a:ln>
+          <a:effectLst/>
+        </p:spPr>
+        <p:style>
+          <a:lnRef idx="2">
+            <a:schemeClr val="accent1"/>
+          </a:lnRef>
+          <a:fillRef idx="0">
+            <a:schemeClr val="accent1"/>
+          </a:fillRef>
+          <a:effectRef idx="1">
+            <a:schemeClr val="accent1"/>
+          </a:effectRef>
+          <a:fontRef idx="minor">
+            <a:schemeClr val="tx1"/>
+          </a:fontRef>
+        </p:style>
+      </p:cxnSp>
+      <p:cxnSp>
+        <p:nvCxnSpPr>
+          <p:cNvPr id="67" name="Straight Arrow Connector 66"/>
+          <p:cNvCxnSpPr>
+            <a:stCxn id="34" idx="3"/>
+            <a:endCxn id="47" idx="1"/>
+          </p:cNvCxnSpPr>
+          <p:nvPr/>
+        </p:nvCxnSpPr>
+        <p:spPr>
+          <a:xfrm flipV="1">
+            <a:off x="4312251" y="1990368"/>
+            <a:ext cx="358806" cy="3084"/>
+          </a:xfrm>
+          <a:prstGeom prst="straightConnector1">
+            <a:avLst/>
+          </a:prstGeom>
+          <a:ln w="6350" cmpd="sng">
+            <a:solidFill>
+              <a:srgbClr val="000000"/>
+            </a:solidFill>
+            <a:headEnd type="none"/>
+            <a:tailEnd type="stealth"/>
+          </a:ln>
+          <a:effectLst/>
+        </p:spPr>
+        <p:style>
+          <a:lnRef idx="2">
+            <a:schemeClr val="accent1"/>
+          </a:lnRef>
+          <a:fillRef idx="0">
+            <a:schemeClr val="accent1"/>
+          </a:fillRef>
+          <a:effectRef idx="1">
+            <a:schemeClr val="accent1"/>
+          </a:effectRef>
+          <a:fontRef idx="minor">
+            <a:schemeClr val="tx1"/>
+          </a:fontRef>
+        </p:style>
+      </p:cxnSp>
+      <p:sp>
+        <p:nvSpPr>
+          <p:cNvPr id="69" name="Process 68"/>
+          <p:cNvSpPr/>
+          <p:nvPr/>
+        </p:nvSpPr>
+        <p:spPr>
+          <a:xfrm>
+            <a:off x="2597187" y="2706909"/>
+            <a:ext cx="1652313" cy="677732"/>
+          </a:xfrm>
+          <a:prstGeom prst="flowChartProcess">
+            <a:avLst/>
+          </a:prstGeom>
+          <a:solidFill>
+            <a:srgbClr val="F2F2F2"/>
+          </a:solidFill>
+          <a:ln w="6350" cmpd="sng">
+            <a:solidFill>
+              <a:schemeClr val="tx1"/>
+            </a:solidFill>
+          </a:ln>
+          <a:effectLst/>
+        </p:spPr>
+        <p:style>
+          <a:lnRef idx="1">
+            <a:schemeClr val="accent1"/>
+          </a:lnRef>
+          <a:fillRef idx="3">
+            <a:schemeClr val="accent1"/>
+          </a:fillRef>
+          <a:effectRef idx="2">
+            <a:schemeClr val="accent1"/>
+          </a:effectRef>
+          <a:fontRef idx="minor">
+            <a:schemeClr val="lt1"/>
+          </a:fontRef>
+        </p:style>
+        <p:txBody>
+          <a:bodyPr rtlCol="0" anchor="ctr"/>
+          <a:lstStyle/>
+          <a:p>
+            <a:pPr algn="ctr"/>
+            <a:endParaRPr lang="en-GB" sz="1000" dirty="0" smtClean="0">
+              <a:solidFill>
+                <a:schemeClr val="tx1"/>
+              </a:solidFill>
+              <a:latin typeface="Arial"/>
+              <a:cs typeface="Arial"/>
+            </a:endParaRPr>
+          </a:p>
+          <a:p>
+            <a:pPr algn="ctr"/>
+            <a:r>
+              <a:rPr lang="en-GB" sz="1200" dirty="0" smtClean="0">
                 <a:solidFill>
                   <a:schemeClr val="tx1"/>
                 </a:solidFill>
                 <a:latin typeface="Arial"/>
                 <a:cs typeface="Arial"/>
-              </a:endParaRPr>
-            </a:p>
-            <a:p>
-              <a:pPr algn="ctr"/>
-              <a:endParaRPr lang="en-GB" sz="1200" dirty="0" smtClean="0">
+              </a:rPr>
+              <a:t>Formulate a FWL effect function</a:t>
+            </a:r>
+            <a:endParaRPr lang="en-GB" sz="1200" dirty="0">
+              <a:solidFill>
+                <a:schemeClr val="tx1"/>
+              </a:solidFill>
+              <a:latin typeface="Arial"/>
+              <a:cs typeface="Arial"/>
+            </a:endParaRPr>
+          </a:p>
+        </p:txBody>
+      </p:sp>
+      <p:sp>
+        <p:nvSpPr>
+          <p:cNvPr id="70" name="Process 69"/>
+          <p:cNvSpPr/>
+          <p:nvPr/>
+        </p:nvSpPr>
+        <p:spPr>
+          <a:xfrm>
+            <a:off x="2597760" y="2707482"/>
+            <a:ext cx="1652313" cy="677732"/>
+          </a:xfrm>
+          <a:prstGeom prst="flowChartProcess">
+            <a:avLst/>
+          </a:prstGeom>
+          <a:noFill/>
+          <a:ln w="6350" cmpd="sng">
+            <a:solidFill>
+              <a:schemeClr val="tx1"/>
+            </a:solidFill>
+          </a:ln>
+          <a:effectLst/>
+        </p:spPr>
+        <p:style>
+          <a:lnRef idx="1">
+            <a:schemeClr val="accent1"/>
+          </a:lnRef>
+          <a:fillRef idx="3">
+            <a:schemeClr val="accent1"/>
+          </a:fillRef>
+          <a:effectRef idx="2">
+            <a:schemeClr val="accent1"/>
+          </a:effectRef>
+          <a:fontRef idx="minor">
+            <a:schemeClr val="lt1"/>
+          </a:fontRef>
+        </p:style>
+        <p:txBody>
+          <a:bodyPr rtlCol="0" anchor="ctr"/>
+          <a:lstStyle/>
+          <a:p>
+            <a:pPr algn="ctr"/>
+            <a:r>
+              <a:rPr lang="en-GB" sz="1200" b="1" dirty="0" smtClean="0">
                 <a:solidFill>
                   <a:schemeClr val="tx1"/>
                 </a:solidFill>
                 <a:latin typeface="Arial"/>
                 <a:cs typeface="Arial"/>
-              </a:endParaRPr>
-            </a:p>
-          </p:txBody>
-        </p:sp>
-        <p:cxnSp>
-          <p:nvCxnSpPr>
-            <p:cNvPr id="78" name="Straight Arrow Connector 77"/>
-            <p:cNvCxnSpPr>
-              <a:stCxn id="62" idx="3"/>
-              <a:endCxn id="69" idx="1"/>
-            </p:cNvCxnSpPr>
-            <p:nvPr/>
-          </p:nvCxnSpPr>
-          <p:spPr>
-            <a:xfrm flipV="1">
-              <a:off x="2359115" y="3045775"/>
-              <a:ext cx="238072" cy="1146"/>
-            </a:xfrm>
-            <a:prstGeom prst="straightConnector1">
-              <a:avLst/>
-            </a:prstGeom>
-            <a:ln w="6350" cmpd="sng">
-              <a:solidFill>
-                <a:srgbClr val="000000"/>
-              </a:solidFill>
-              <a:headEnd type="none"/>
-              <a:tailEnd type="stealth"/>
-            </a:ln>
-            <a:effectLst/>
-          </p:spPr>
-          <p:style>
-            <a:lnRef idx="2">
-              <a:schemeClr val="accent1"/>
-            </a:lnRef>
-            <a:fillRef idx="0">
-              <a:schemeClr val="accent1"/>
-            </a:fillRef>
-            <a:effectRef idx="1">
-              <a:schemeClr val="accent1"/>
-            </a:effectRef>
-            <a:fontRef idx="minor">
-              <a:schemeClr val="tx1"/>
-            </a:fontRef>
-          </p:style>
-        </p:cxnSp>
-        <p:cxnSp>
-          <p:nvCxnSpPr>
-            <p:cNvPr id="82" name="Straight Arrow Connector 81"/>
-            <p:cNvCxnSpPr>
-              <a:stCxn id="69" idx="3"/>
-              <a:endCxn id="72" idx="1"/>
-            </p:cNvCxnSpPr>
-            <p:nvPr/>
-          </p:nvCxnSpPr>
-          <p:spPr>
-            <a:xfrm>
-              <a:off x="4249500" y="3045775"/>
-              <a:ext cx="337252" cy="1146"/>
-            </a:xfrm>
-            <a:prstGeom prst="straightConnector1">
-              <a:avLst/>
-            </a:prstGeom>
-            <a:ln w="6350" cmpd="sng">
-              <a:solidFill>
-                <a:srgbClr val="000000"/>
-              </a:solidFill>
-              <a:headEnd type="none"/>
-              <a:tailEnd type="stealth"/>
-            </a:ln>
-            <a:effectLst/>
-          </p:spPr>
-          <p:style>
-            <a:lnRef idx="2">
-              <a:schemeClr val="accent1"/>
-            </a:lnRef>
-            <a:fillRef idx="0">
-              <a:schemeClr val="accent1"/>
-            </a:fillRef>
-            <a:effectRef idx="1">
-              <a:schemeClr val="accent1"/>
-            </a:effectRef>
-            <a:fontRef idx="minor">
-              <a:schemeClr val="tx1"/>
-            </a:fontRef>
-          </p:style>
-        </p:cxnSp>
-        <p:cxnSp>
-          <p:nvCxnSpPr>
-            <p:cNvPr id="86" name="Straight Arrow Connector 85"/>
-            <p:cNvCxnSpPr>
-              <a:stCxn id="72" idx="3"/>
-              <a:endCxn id="54" idx="1"/>
-            </p:cNvCxnSpPr>
-            <p:nvPr/>
-          </p:nvCxnSpPr>
-          <p:spPr>
-            <a:xfrm flipV="1">
-              <a:off x="6239065" y="3046062"/>
-              <a:ext cx="339544" cy="859"/>
-            </a:xfrm>
-            <a:prstGeom prst="straightConnector1">
-              <a:avLst/>
-            </a:prstGeom>
-            <a:ln w="6350" cmpd="sng">
-              <a:solidFill>
-                <a:srgbClr val="000000"/>
-              </a:solidFill>
-              <a:headEnd type="none"/>
-              <a:tailEnd type="stealth"/>
-            </a:ln>
-            <a:effectLst/>
-          </p:spPr>
-          <p:style>
-            <a:lnRef idx="2">
-              <a:schemeClr val="accent1"/>
-            </a:lnRef>
-            <a:fillRef idx="0">
-              <a:schemeClr val="accent1"/>
-            </a:fillRef>
-            <a:effectRef idx="1">
-              <a:schemeClr val="accent1"/>
-            </a:effectRef>
-            <a:fontRef idx="minor">
-              <a:schemeClr val="tx1"/>
-            </a:fontRef>
-          </p:style>
-        </p:cxnSp>
-        <p:sp>
-          <p:nvSpPr>
-            <p:cNvPr id="90" name="Document 89"/>
-            <p:cNvSpPr/>
-            <p:nvPr/>
-          </p:nvSpPr>
-          <p:spPr>
-            <a:xfrm>
-              <a:off x="6691818" y="1668197"/>
-              <a:ext cx="1247804" cy="673136"/>
-            </a:xfrm>
-            <a:prstGeom prst="flowChartDocument">
-              <a:avLst/>
-            </a:prstGeom>
-            <a:solidFill>
-              <a:schemeClr val="bg1"/>
-            </a:solidFill>
-            <a:ln>
-              <a:solidFill>
-                <a:srgbClr val="000000"/>
-              </a:solidFill>
-              <a:prstDash val="lgDash"/>
-            </a:ln>
-            <a:effectLst/>
-          </p:spPr>
-          <p:style>
-            <a:lnRef idx="1">
-              <a:schemeClr val="accent1"/>
-            </a:lnRef>
-            <a:fillRef idx="3">
-              <a:schemeClr val="accent1"/>
-            </a:fillRef>
-            <a:effectRef idx="2">
-              <a:schemeClr val="accent1"/>
-            </a:effectRef>
-            <a:fontRef idx="minor">
-              <a:schemeClr val="lt1"/>
-            </a:fontRef>
-          </p:style>
-          <p:txBody>
-            <a:bodyPr rtlCol="0" anchor="ctr"/>
-            <a:lstStyle/>
-            <a:p>
-              <a:pPr algn="ctr"/>
-              <a:r>
-                <a:rPr lang="en-GB" sz="1200" dirty="0" smtClean="0">
-                  <a:solidFill>
-                    <a:prstClr val="black"/>
-                  </a:solidFill>
-                  <a:latin typeface="Arial"/>
-                  <a:cs typeface="Arial"/>
-                </a:rPr>
-                <a:t>ANSI-C input file</a:t>
-              </a:r>
-              <a:endParaRPr lang="en-US" sz="1200" dirty="0"/>
-            </a:p>
-          </p:txBody>
-        </p:sp>
-        <p:cxnSp>
-          <p:nvCxnSpPr>
-            <p:cNvPr id="97" name="Straight Arrow Connector 96"/>
-            <p:cNvCxnSpPr/>
-            <p:nvPr/>
-          </p:nvCxnSpPr>
-          <p:spPr>
-            <a:xfrm>
-              <a:off x="-70347" y="3159059"/>
-              <a:ext cx="583696" cy="261"/>
-            </a:xfrm>
-            <a:prstGeom prst="straightConnector1">
-              <a:avLst/>
-            </a:prstGeom>
-            <a:ln w="6350" cmpd="sng">
-              <a:solidFill>
-                <a:srgbClr val="000000"/>
-              </a:solidFill>
-              <a:headEnd type="none"/>
-              <a:tailEnd type="stealth"/>
-            </a:ln>
-            <a:effectLst/>
-          </p:spPr>
-          <p:style>
-            <a:lnRef idx="2">
-              <a:schemeClr val="accent1"/>
-            </a:lnRef>
-            <a:fillRef idx="0">
-              <a:schemeClr val="accent1"/>
-            </a:fillRef>
-            <a:effectRef idx="1">
-              <a:schemeClr val="accent1"/>
-            </a:effectRef>
-            <a:fontRef idx="minor">
-              <a:schemeClr val="tx1"/>
-            </a:fontRef>
-          </p:style>
-        </p:cxnSp>
-        <p:cxnSp>
-          <p:nvCxnSpPr>
-            <p:cNvPr id="98" name="Straight Arrow Connector 97"/>
-            <p:cNvCxnSpPr/>
-            <p:nvPr/>
-          </p:nvCxnSpPr>
-          <p:spPr>
-            <a:xfrm>
-              <a:off x="-70345" y="3033794"/>
-              <a:ext cx="583696" cy="261"/>
-            </a:xfrm>
-            <a:prstGeom prst="straightConnector1">
-              <a:avLst/>
-            </a:prstGeom>
-            <a:ln w="6350" cmpd="sng">
-              <a:solidFill>
-                <a:srgbClr val="000000"/>
-              </a:solidFill>
-              <a:headEnd type="none"/>
-              <a:tailEnd type="stealth"/>
-            </a:ln>
-            <a:effectLst/>
-          </p:spPr>
-          <p:style>
-            <a:lnRef idx="2">
-              <a:schemeClr val="accent1"/>
-            </a:lnRef>
-            <a:fillRef idx="0">
-              <a:schemeClr val="accent1"/>
-            </a:fillRef>
-            <a:effectRef idx="1">
-              <a:schemeClr val="accent1"/>
-            </a:effectRef>
-            <a:fontRef idx="minor">
-              <a:schemeClr val="tx1"/>
-            </a:fontRef>
-          </p:style>
-        </p:cxnSp>
-        <p:cxnSp>
-          <p:nvCxnSpPr>
-            <p:cNvPr id="99" name="Straight Arrow Connector 98"/>
-            <p:cNvCxnSpPr/>
-            <p:nvPr/>
-          </p:nvCxnSpPr>
-          <p:spPr>
-            <a:xfrm>
-              <a:off x="-70344" y="2915921"/>
-              <a:ext cx="583696" cy="261"/>
-            </a:xfrm>
-            <a:prstGeom prst="straightConnector1">
-              <a:avLst/>
-            </a:prstGeom>
-            <a:ln w="6350" cmpd="sng">
-              <a:solidFill>
-                <a:srgbClr val="000000"/>
-              </a:solidFill>
-              <a:headEnd type="none"/>
-              <a:tailEnd type="stealth"/>
-            </a:ln>
-            <a:effectLst/>
-          </p:spPr>
-          <p:style>
-            <a:lnRef idx="2">
-              <a:schemeClr val="accent1"/>
-            </a:lnRef>
-            <a:fillRef idx="0">
-              <a:schemeClr val="accent1"/>
-            </a:fillRef>
-            <a:effectRef idx="1">
-              <a:schemeClr val="accent1"/>
-            </a:effectRef>
-            <a:fontRef idx="minor">
-              <a:schemeClr val="tx1"/>
-            </a:fontRef>
-          </p:style>
-        </p:cxnSp>
-        <p:sp>
-          <p:nvSpPr>
-            <p:cNvPr id="54" name="Document 53"/>
-            <p:cNvSpPr/>
-            <p:nvPr/>
-          </p:nvSpPr>
-          <p:spPr>
-            <a:xfrm>
-              <a:off x="6578609" y="2708055"/>
-              <a:ext cx="1248377" cy="676013"/>
-            </a:xfrm>
-            <a:prstGeom prst="flowChartDocument">
-              <a:avLst/>
-            </a:prstGeom>
-            <a:solidFill>
-              <a:schemeClr val="bg1"/>
-            </a:solidFill>
-            <a:ln>
-              <a:solidFill>
-                <a:srgbClr val="000000"/>
-              </a:solidFill>
-              <a:prstDash val="lgDash"/>
-            </a:ln>
-            <a:effectLst/>
-          </p:spPr>
-          <p:style>
-            <a:lnRef idx="1">
-              <a:schemeClr val="accent1"/>
-            </a:lnRef>
-            <a:fillRef idx="3">
-              <a:schemeClr val="accent1"/>
-            </a:fillRef>
-            <a:effectRef idx="2">
-              <a:schemeClr val="accent1"/>
-            </a:effectRef>
-            <a:fontRef idx="minor">
-              <a:schemeClr val="lt1"/>
-            </a:fontRef>
-          </p:style>
-          <p:txBody>
-            <a:bodyPr rtlCol="0" anchor="ctr"/>
-            <a:lstStyle/>
-            <a:p>
-              <a:pPr algn="ctr"/>
-              <a:r>
-                <a:rPr lang="en-GB" sz="1200" dirty="0" smtClean="0">
-                  <a:solidFill>
-                    <a:prstClr val="black"/>
-                  </a:solidFill>
-                  <a:latin typeface="Arial"/>
-                  <a:cs typeface="Arial"/>
-                </a:rPr>
-                <a:t>Intermediate</a:t>
-              </a:r>
-            </a:p>
-            <a:p>
-              <a:pPr algn="ctr"/>
-              <a:r>
-                <a:rPr lang="en-GB" sz="1200" dirty="0" smtClean="0">
-                  <a:solidFill>
-                    <a:prstClr val="black"/>
-                  </a:solidFill>
-                  <a:latin typeface="Arial"/>
-                  <a:cs typeface="Arial"/>
-                </a:rPr>
-                <a:t>ANSI-C code</a:t>
-              </a:r>
-              <a:endParaRPr lang="en-US" sz="1200" dirty="0"/>
-            </a:p>
-          </p:txBody>
-        </p:sp>
-        <p:cxnSp>
-          <p:nvCxnSpPr>
-            <p:cNvPr id="56" name="Straight Arrow Connector 55"/>
-            <p:cNvCxnSpPr/>
-            <p:nvPr/>
-          </p:nvCxnSpPr>
-          <p:spPr>
-            <a:xfrm flipV="1">
-              <a:off x="7826986" y="3032935"/>
-              <a:ext cx="339544" cy="859"/>
-            </a:xfrm>
-            <a:prstGeom prst="straightConnector1">
-              <a:avLst/>
-            </a:prstGeom>
-            <a:ln w="6350" cmpd="sng">
-              <a:solidFill>
-                <a:srgbClr val="000000"/>
-              </a:solidFill>
-              <a:headEnd type="none"/>
-              <a:tailEnd type="stealth"/>
-            </a:ln>
-            <a:effectLst/>
-          </p:spPr>
-          <p:style>
-            <a:lnRef idx="2">
-              <a:schemeClr val="accent1"/>
-            </a:lnRef>
-            <a:fillRef idx="0">
-              <a:schemeClr val="accent1"/>
-            </a:fillRef>
-            <a:effectRef idx="1">
-              <a:schemeClr val="accent1"/>
-            </a:effectRef>
-            <a:fontRef idx="minor">
-              <a:schemeClr val="tx1"/>
-            </a:fontRef>
-          </p:style>
-        </p:cxnSp>
-        <p:cxnSp>
-          <p:nvCxnSpPr>
-            <p:cNvPr id="42" name="Straight Arrow Connector 66"/>
-            <p:cNvCxnSpPr/>
-            <p:nvPr/>
-          </p:nvCxnSpPr>
-          <p:spPr>
-            <a:xfrm flipV="1">
-              <a:off x="6329986" y="1993338"/>
-              <a:ext cx="339544" cy="1719"/>
-            </a:xfrm>
-            <a:prstGeom prst="straightConnector1">
-              <a:avLst/>
-            </a:prstGeom>
-            <a:ln w="6350" cmpd="sng">
-              <a:solidFill>
-                <a:srgbClr val="000000"/>
-              </a:solidFill>
-              <a:headEnd type="none"/>
-              <a:tailEnd type="stealth"/>
-            </a:ln>
-            <a:effectLst/>
-          </p:spPr>
-          <p:style>
-            <a:lnRef idx="2">
-              <a:schemeClr val="accent1"/>
-            </a:lnRef>
-            <a:fillRef idx="0">
-              <a:schemeClr val="accent1"/>
-            </a:fillRef>
-            <a:effectRef idx="1">
-              <a:schemeClr val="accent1"/>
-            </a:effectRef>
-            <a:fontRef idx="minor">
-              <a:schemeClr val="tx1"/>
-            </a:fontRef>
-          </p:style>
-        </p:cxnSp>
-        <p:cxnSp>
-          <p:nvCxnSpPr>
-            <p:cNvPr id="9" name="Conector angulado 8"/>
-            <p:cNvCxnSpPr>
-              <a:stCxn id="90" idx="3"/>
-              <a:endCxn id="62" idx="0"/>
-            </p:cNvCxnSpPr>
-            <p:nvPr/>
-          </p:nvCxnSpPr>
-          <p:spPr>
-            <a:xfrm flipH="1">
-              <a:off x="1483082" y="2004765"/>
-              <a:ext cx="6456540" cy="703290"/>
-            </a:xfrm>
-            <a:prstGeom prst="bentConnector4">
-              <a:avLst>
-                <a:gd name="adj1" fmla="val -3541"/>
-                <a:gd name="adj2" fmla="val 73928"/>
-              </a:avLst>
-            </a:prstGeom>
-            <a:ln w="6350">
+              </a:rPr>
+              <a:t>Step B</a:t>
+            </a:r>
+          </a:p>
+          <a:p>
+            <a:pPr algn="ctr"/>
+            <a:endParaRPr lang="en-GB" sz="1200" dirty="0">
               <a:solidFill>
                 <a:schemeClr val="tx1"/>
               </a:solidFill>
-              <a:tailEnd type="stealth"/>
-            </a:ln>
-            <a:effectLst/>
-          </p:spPr>
-          <p:style>
-            <a:lnRef idx="2">
-              <a:schemeClr val="accent1"/>
-            </a:lnRef>
-            <a:fillRef idx="0">
-              <a:schemeClr val="accent1"/>
-            </a:fillRef>
-            <a:effectRef idx="1">
-              <a:schemeClr val="accent1"/>
-            </a:effectRef>
-            <a:fontRef idx="minor">
+              <a:latin typeface="Arial"/>
+              <a:cs typeface="Arial"/>
+            </a:endParaRPr>
+          </a:p>
+          <a:p>
+            <a:pPr algn="ctr"/>
+            <a:endParaRPr lang="en-GB" sz="1200" dirty="0" smtClean="0">
+              <a:solidFill>
+                <a:schemeClr val="tx1"/>
+              </a:solidFill>
+              <a:latin typeface="Arial"/>
+              <a:cs typeface="Arial"/>
+            </a:endParaRPr>
+          </a:p>
+        </p:txBody>
+      </p:sp>
+      <p:sp>
+        <p:nvSpPr>
+          <p:cNvPr id="72" name="Process 71"/>
+          <p:cNvSpPr/>
+          <p:nvPr/>
+        </p:nvSpPr>
+        <p:spPr>
+          <a:xfrm>
+            <a:off x="4586752" y="2708055"/>
+            <a:ext cx="1652313" cy="677732"/>
+          </a:xfrm>
+          <a:prstGeom prst="flowChartProcess">
+            <a:avLst/>
+          </a:prstGeom>
+          <a:solidFill>
+            <a:srgbClr val="F2F2F2"/>
+          </a:solidFill>
+          <a:ln w="6350" cmpd="sng">
+            <a:solidFill>
               <a:schemeClr val="tx1"/>
-            </a:fontRef>
-          </p:style>
-        </p:cxnSp>
-      </p:grpSp>
+            </a:solidFill>
+          </a:ln>
+          <a:effectLst/>
+        </p:spPr>
+        <p:style>
+          <a:lnRef idx="1">
+            <a:schemeClr val="accent1"/>
+          </a:lnRef>
+          <a:fillRef idx="3">
+            <a:schemeClr val="accent1"/>
+          </a:fillRef>
+          <a:effectRef idx="2">
+            <a:schemeClr val="accent1"/>
+          </a:effectRef>
+          <a:fontRef idx="minor">
+            <a:schemeClr val="lt1"/>
+          </a:fontRef>
+        </p:style>
+        <p:txBody>
+          <a:bodyPr rtlCol="0" anchor="ctr"/>
+          <a:lstStyle/>
+          <a:p>
+            <a:pPr algn="ctr"/>
+            <a:endParaRPr lang="en-GB" sz="1000" dirty="0" smtClean="0">
+              <a:solidFill>
+                <a:schemeClr val="tx1"/>
+              </a:solidFill>
+              <a:latin typeface="Arial"/>
+              <a:cs typeface="Arial"/>
+            </a:endParaRPr>
+          </a:p>
+          <a:p>
+            <a:pPr algn="ctr"/>
+            <a:r>
+              <a:rPr lang="en-GB" sz="1200" dirty="0" smtClean="0">
+                <a:solidFill>
+                  <a:schemeClr val="tx1"/>
+                </a:solidFill>
+                <a:latin typeface="Arial"/>
+                <a:cs typeface="Arial"/>
+              </a:rPr>
+              <a:t>Compute FWL controller model</a:t>
+            </a:r>
+            <a:endParaRPr lang="en-GB" sz="1200" dirty="0">
+              <a:solidFill>
+                <a:schemeClr val="tx1"/>
+              </a:solidFill>
+              <a:latin typeface="Arial"/>
+              <a:cs typeface="Arial"/>
+            </a:endParaRPr>
+          </a:p>
+        </p:txBody>
+      </p:sp>
+      <p:sp>
+        <p:nvSpPr>
+          <p:cNvPr id="73" name="Process 72"/>
+          <p:cNvSpPr/>
+          <p:nvPr/>
+        </p:nvSpPr>
+        <p:spPr>
+          <a:xfrm>
+            <a:off x="4587325" y="2708628"/>
+            <a:ext cx="1652313" cy="677732"/>
+          </a:xfrm>
+          <a:prstGeom prst="flowChartProcess">
+            <a:avLst/>
+          </a:prstGeom>
+          <a:noFill/>
+          <a:ln w="6350" cmpd="sng">
+            <a:solidFill>
+              <a:schemeClr val="tx1"/>
+            </a:solidFill>
+          </a:ln>
+          <a:effectLst/>
+        </p:spPr>
+        <p:style>
+          <a:lnRef idx="1">
+            <a:schemeClr val="accent1"/>
+          </a:lnRef>
+          <a:fillRef idx="3">
+            <a:schemeClr val="accent1"/>
+          </a:fillRef>
+          <a:effectRef idx="2">
+            <a:schemeClr val="accent1"/>
+          </a:effectRef>
+          <a:fontRef idx="minor">
+            <a:schemeClr val="lt1"/>
+          </a:fontRef>
+        </p:style>
+        <p:txBody>
+          <a:bodyPr rtlCol="0" anchor="ctr"/>
+          <a:lstStyle/>
+          <a:p>
+            <a:pPr algn="ctr"/>
+            <a:r>
+              <a:rPr lang="en-GB" sz="1200" b="1" dirty="0" smtClean="0">
+                <a:solidFill>
+                  <a:schemeClr val="tx1"/>
+                </a:solidFill>
+                <a:latin typeface="Arial"/>
+                <a:cs typeface="Arial"/>
+              </a:rPr>
+              <a:t>Step C</a:t>
+            </a:r>
+          </a:p>
+          <a:p>
+            <a:pPr algn="ctr"/>
+            <a:endParaRPr lang="en-GB" sz="1200" dirty="0">
+              <a:solidFill>
+                <a:schemeClr val="tx1"/>
+              </a:solidFill>
+              <a:latin typeface="Arial"/>
+              <a:cs typeface="Arial"/>
+            </a:endParaRPr>
+          </a:p>
+          <a:p>
+            <a:pPr algn="ctr"/>
+            <a:endParaRPr lang="en-GB" sz="1200" dirty="0" smtClean="0">
+              <a:solidFill>
+                <a:schemeClr val="tx1"/>
+              </a:solidFill>
+              <a:latin typeface="Arial"/>
+              <a:cs typeface="Arial"/>
+            </a:endParaRPr>
+          </a:p>
+        </p:txBody>
+      </p:sp>
+      <p:sp>
+        <p:nvSpPr>
+          <p:cNvPr id="75" name="Process 74"/>
+          <p:cNvSpPr/>
+          <p:nvPr/>
+        </p:nvSpPr>
+        <p:spPr>
+          <a:xfrm>
+            <a:off x="8166530" y="2702000"/>
+            <a:ext cx="1652313" cy="677732"/>
+          </a:xfrm>
+          <a:prstGeom prst="flowChartProcess">
+            <a:avLst/>
+          </a:prstGeom>
+          <a:solidFill>
+            <a:srgbClr val="F2F2F2"/>
+          </a:solidFill>
+          <a:ln w="6350" cmpd="sng">
+            <a:solidFill>
+              <a:schemeClr val="tx1"/>
+            </a:solidFill>
+          </a:ln>
+          <a:effectLst/>
+        </p:spPr>
+        <p:style>
+          <a:lnRef idx="1">
+            <a:schemeClr val="accent1"/>
+          </a:lnRef>
+          <a:fillRef idx="3">
+            <a:schemeClr val="accent1"/>
+          </a:fillRef>
+          <a:effectRef idx="2">
+            <a:schemeClr val="accent1"/>
+          </a:effectRef>
+          <a:fontRef idx="minor">
+            <a:schemeClr val="lt1"/>
+          </a:fontRef>
+        </p:style>
+        <p:txBody>
+          <a:bodyPr rtlCol="0" anchor="ctr"/>
+          <a:lstStyle/>
+          <a:p>
+            <a:pPr algn="ctr"/>
+            <a:endParaRPr lang="en-GB" sz="1000" dirty="0" smtClean="0">
+              <a:solidFill>
+                <a:schemeClr val="tx1"/>
+              </a:solidFill>
+              <a:latin typeface="Arial"/>
+              <a:cs typeface="Arial"/>
+            </a:endParaRPr>
+          </a:p>
+          <a:p>
+            <a:pPr algn="ctr"/>
+            <a:r>
+              <a:rPr lang="en-GB" sz="1200" dirty="0" smtClean="0">
+                <a:solidFill>
+                  <a:schemeClr val="tx1"/>
+                </a:solidFill>
+                <a:latin typeface="Arial"/>
+                <a:cs typeface="Arial"/>
+              </a:rPr>
+              <a:t>Synthesise digital controller</a:t>
+            </a:r>
+            <a:endParaRPr lang="en-GB" sz="1200" dirty="0">
+              <a:solidFill>
+                <a:schemeClr val="tx1"/>
+              </a:solidFill>
+              <a:latin typeface="Arial"/>
+              <a:cs typeface="Arial"/>
+            </a:endParaRPr>
+          </a:p>
+        </p:txBody>
+      </p:sp>
+      <p:sp>
+        <p:nvSpPr>
+          <p:cNvPr id="76" name="Process 75"/>
+          <p:cNvSpPr/>
+          <p:nvPr/>
+        </p:nvSpPr>
+        <p:spPr>
+          <a:xfrm>
+            <a:off x="8167103" y="2702573"/>
+            <a:ext cx="1652313" cy="677732"/>
+          </a:xfrm>
+          <a:prstGeom prst="flowChartProcess">
+            <a:avLst/>
+          </a:prstGeom>
+          <a:noFill/>
+          <a:ln w="6350" cmpd="sng">
+            <a:solidFill>
+              <a:schemeClr val="tx1"/>
+            </a:solidFill>
+          </a:ln>
+          <a:effectLst/>
+        </p:spPr>
+        <p:style>
+          <a:lnRef idx="1">
+            <a:schemeClr val="accent1"/>
+          </a:lnRef>
+          <a:fillRef idx="3">
+            <a:schemeClr val="accent1"/>
+          </a:fillRef>
+          <a:effectRef idx="2">
+            <a:schemeClr val="accent1"/>
+          </a:effectRef>
+          <a:fontRef idx="minor">
+            <a:schemeClr val="lt1"/>
+          </a:fontRef>
+        </p:style>
+        <p:txBody>
+          <a:bodyPr rtlCol="0" anchor="ctr"/>
+          <a:lstStyle/>
+          <a:p>
+            <a:pPr algn="ctr"/>
+            <a:r>
+              <a:rPr lang="en-GB" sz="1200" b="1" dirty="0" smtClean="0">
+                <a:solidFill>
+                  <a:schemeClr val="tx1"/>
+                </a:solidFill>
+                <a:latin typeface="Arial"/>
+                <a:cs typeface="Arial"/>
+              </a:rPr>
+              <a:t>Step D</a:t>
+            </a:r>
+          </a:p>
+          <a:p>
+            <a:pPr algn="ctr"/>
+            <a:endParaRPr lang="en-GB" sz="1200" dirty="0">
+              <a:solidFill>
+                <a:schemeClr val="tx1"/>
+              </a:solidFill>
+              <a:latin typeface="Arial"/>
+              <a:cs typeface="Arial"/>
+            </a:endParaRPr>
+          </a:p>
+          <a:p>
+            <a:pPr algn="ctr"/>
+            <a:endParaRPr lang="en-GB" sz="1200" dirty="0" smtClean="0">
+              <a:solidFill>
+                <a:schemeClr val="tx1"/>
+              </a:solidFill>
+              <a:latin typeface="Arial"/>
+              <a:cs typeface="Arial"/>
+            </a:endParaRPr>
+          </a:p>
+        </p:txBody>
+      </p:sp>
+      <p:cxnSp>
+        <p:nvCxnSpPr>
+          <p:cNvPr id="78" name="Straight Arrow Connector 77"/>
+          <p:cNvCxnSpPr>
+            <a:stCxn id="62" idx="3"/>
+            <a:endCxn id="69" idx="1"/>
+          </p:cNvCxnSpPr>
+          <p:nvPr/>
+        </p:nvCxnSpPr>
+        <p:spPr>
+          <a:xfrm flipV="1">
+            <a:off x="2359115" y="3045775"/>
+            <a:ext cx="238072" cy="1146"/>
+          </a:xfrm>
+          <a:prstGeom prst="straightConnector1">
+            <a:avLst/>
+          </a:prstGeom>
+          <a:ln w="6350" cmpd="sng">
+            <a:solidFill>
+              <a:srgbClr val="000000"/>
+            </a:solidFill>
+            <a:headEnd type="none"/>
+            <a:tailEnd type="stealth"/>
+          </a:ln>
+          <a:effectLst/>
+        </p:spPr>
+        <p:style>
+          <a:lnRef idx="2">
+            <a:schemeClr val="accent1"/>
+          </a:lnRef>
+          <a:fillRef idx="0">
+            <a:schemeClr val="accent1"/>
+          </a:fillRef>
+          <a:effectRef idx="1">
+            <a:schemeClr val="accent1"/>
+          </a:effectRef>
+          <a:fontRef idx="minor">
+            <a:schemeClr val="tx1"/>
+          </a:fontRef>
+        </p:style>
+      </p:cxnSp>
+      <p:cxnSp>
+        <p:nvCxnSpPr>
+          <p:cNvPr id="82" name="Straight Arrow Connector 81"/>
+          <p:cNvCxnSpPr>
+            <a:stCxn id="69" idx="3"/>
+            <a:endCxn id="72" idx="1"/>
+          </p:cNvCxnSpPr>
+          <p:nvPr/>
+        </p:nvCxnSpPr>
+        <p:spPr>
+          <a:xfrm>
+            <a:off x="4249500" y="3045775"/>
+            <a:ext cx="337252" cy="1146"/>
+          </a:xfrm>
+          <a:prstGeom prst="straightConnector1">
+            <a:avLst/>
+          </a:prstGeom>
+          <a:ln w="6350" cmpd="sng">
+            <a:solidFill>
+              <a:srgbClr val="000000"/>
+            </a:solidFill>
+            <a:headEnd type="none"/>
+            <a:tailEnd type="stealth"/>
+          </a:ln>
+          <a:effectLst/>
+        </p:spPr>
+        <p:style>
+          <a:lnRef idx="2">
+            <a:schemeClr val="accent1"/>
+          </a:lnRef>
+          <a:fillRef idx="0">
+            <a:schemeClr val="accent1"/>
+          </a:fillRef>
+          <a:effectRef idx="1">
+            <a:schemeClr val="accent1"/>
+          </a:effectRef>
+          <a:fontRef idx="minor">
+            <a:schemeClr val="tx1"/>
+          </a:fontRef>
+        </p:style>
+      </p:cxnSp>
+      <p:cxnSp>
+        <p:nvCxnSpPr>
+          <p:cNvPr id="86" name="Straight Arrow Connector 85"/>
+          <p:cNvCxnSpPr>
+            <a:stCxn id="72" idx="3"/>
+            <a:endCxn id="54" idx="1"/>
+          </p:cNvCxnSpPr>
+          <p:nvPr/>
+        </p:nvCxnSpPr>
+        <p:spPr>
+          <a:xfrm flipV="1">
+            <a:off x="6239065" y="3046062"/>
+            <a:ext cx="339544" cy="859"/>
+          </a:xfrm>
+          <a:prstGeom prst="straightConnector1">
+            <a:avLst/>
+          </a:prstGeom>
+          <a:ln w="6350" cmpd="sng">
+            <a:solidFill>
+              <a:srgbClr val="000000"/>
+            </a:solidFill>
+            <a:headEnd type="none"/>
+            <a:tailEnd type="stealth"/>
+          </a:ln>
+          <a:effectLst/>
+        </p:spPr>
+        <p:style>
+          <a:lnRef idx="2">
+            <a:schemeClr val="accent1"/>
+          </a:lnRef>
+          <a:fillRef idx="0">
+            <a:schemeClr val="accent1"/>
+          </a:fillRef>
+          <a:effectRef idx="1">
+            <a:schemeClr val="accent1"/>
+          </a:effectRef>
+          <a:fontRef idx="minor">
+            <a:schemeClr val="tx1"/>
+          </a:fontRef>
+        </p:style>
+      </p:cxnSp>
+      <p:sp>
+        <p:nvSpPr>
+          <p:cNvPr id="90" name="Document 89"/>
+          <p:cNvSpPr/>
+          <p:nvPr/>
+        </p:nvSpPr>
+        <p:spPr>
+          <a:xfrm>
+            <a:off x="6691818" y="1668197"/>
+            <a:ext cx="1247804" cy="673136"/>
+          </a:xfrm>
+          <a:prstGeom prst="flowChartDocument">
+            <a:avLst/>
+          </a:prstGeom>
+          <a:solidFill>
+            <a:schemeClr val="bg1"/>
+          </a:solidFill>
+          <a:ln>
+            <a:solidFill>
+              <a:srgbClr val="000000"/>
+            </a:solidFill>
+            <a:prstDash val="lgDash"/>
+          </a:ln>
+          <a:effectLst/>
+        </p:spPr>
+        <p:style>
+          <a:lnRef idx="1">
+            <a:schemeClr val="accent1"/>
+          </a:lnRef>
+          <a:fillRef idx="3">
+            <a:schemeClr val="accent1"/>
+          </a:fillRef>
+          <a:effectRef idx="2">
+            <a:schemeClr val="accent1"/>
+          </a:effectRef>
+          <a:fontRef idx="minor">
+            <a:schemeClr val="lt1"/>
+          </a:fontRef>
+        </p:style>
+        <p:txBody>
+          <a:bodyPr rtlCol="0" anchor="ctr"/>
+          <a:lstStyle/>
+          <a:p>
+            <a:pPr algn="ctr"/>
+            <a:r>
+              <a:rPr lang="en-GB" sz="1200" dirty="0" smtClean="0">
+                <a:solidFill>
+                  <a:prstClr val="black"/>
+                </a:solidFill>
+                <a:latin typeface="Arial"/>
+                <a:cs typeface="Arial"/>
+              </a:rPr>
+              <a:t>ANSI-C input file</a:t>
+            </a:r>
+            <a:endParaRPr lang="en-US" sz="1200" dirty="0"/>
+          </a:p>
+        </p:txBody>
+      </p:sp>
+      <p:cxnSp>
+        <p:nvCxnSpPr>
+          <p:cNvPr id="97" name="Straight Arrow Connector 96"/>
+          <p:cNvCxnSpPr/>
+          <p:nvPr/>
+        </p:nvCxnSpPr>
+        <p:spPr>
+          <a:xfrm>
+            <a:off x="-70347" y="3159059"/>
+            <a:ext cx="583696" cy="261"/>
+          </a:xfrm>
+          <a:prstGeom prst="straightConnector1">
+            <a:avLst/>
+          </a:prstGeom>
+          <a:ln w="6350" cmpd="sng">
+            <a:solidFill>
+              <a:srgbClr val="000000"/>
+            </a:solidFill>
+            <a:headEnd type="none"/>
+            <a:tailEnd type="stealth"/>
+          </a:ln>
+          <a:effectLst/>
+        </p:spPr>
+        <p:style>
+          <a:lnRef idx="2">
+            <a:schemeClr val="accent1"/>
+          </a:lnRef>
+          <a:fillRef idx="0">
+            <a:schemeClr val="accent1"/>
+          </a:fillRef>
+          <a:effectRef idx="1">
+            <a:schemeClr val="accent1"/>
+          </a:effectRef>
+          <a:fontRef idx="minor">
+            <a:schemeClr val="tx1"/>
+          </a:fontRef>
+        </p:style>
+      </p:cxnSp>
+      <p:cxnSp>
+        <p:nvCxnSpPr>
+          <p:cNvPr id="98" name="Straight Arrow Connector 97"/>
+          <p:cNvCxnSpPr/>
+          <p:nvPr/>
+        </p:nvCxnSpPr>
+        <p:spPr>
+          <a:xfrm>
+            <a:off x="-70345" y="3033794"/>
+            <a:ext cx="583696" cy="261"/>
+          </a:xfrm>
+          <a:prstGeom prst="straightConnector1">
+            <a:avLst/>
+          </a:prstGeom>
+          <a:ln w="6350" cmpd="sng">
+            <a:solidFill>
+              <a:srgbClr val="000000"/>
+            </a:solidFill>
+            <a:headEnd type="none"/>
+            <a:tailEnd type="stealth"/>
+          </a:ln>
+          <a:effectLst/>
+        </p:spPr>
+        <p:style>
+          <a:lnRef idx="2">
+            <a:schemeClr val="accent1"/>
+          </a:lnRef>
+          <a:fillRef idx="0">
+            <a:schemeClr val="accent1"/>
+          </a:fillRef>
+          <a:effectRef idx="1">
+            <a:schemeClr val="accent1"/>
+          </a:effectRef>
+          <a:fontRef idx="minor">
+            <a:schemeClr val="tx1"/>
+          </a:fontRef>
+        </p:style>
+      </p:cxnSp>
+      <p:cxnSp>
+        <p:nvCxnSpPr>
+          <p:cNvPr id="99" name="Straight Arrow Connector 98"/>
+          <p:cNvCxnSpPr/>
+          <p:nvPr/>
+        </p:nvCxnSpPr>
+        <p:spPr>
+          <a:xfrm>
+            <a:off x="-70344" y="2915921"/>
+            <a:ext cx="583696" cy="261"/>
+          </a:xfrm>
+          <a:prstGeom prst="straightConnector1">
+            <a:avLst/>
+          </a:prstGeom>
+          <a:ln w="6350" cmpd="sng">
+            <a:solidFill>
+              <a:srgbClr val="000000"/>
+            </a:solidFill>
+            <a:headEnd type="none"/>
+            <a:tailEnd type="stealth"/>
+          </a:ln>
+          <a:effectLst/>
+        </p:spPr>
+        <p:style>
+          <a:lnRef idx="2">
+            <a:schemeClr val="accent1"/>
+          </a:lnRef>
+          <a:fillRef idx="0">
+            <a:schemeClr val="accent1"/>
+          </a:fillRef>
+          <a:effectRef idx="1">
+            <a:schemeClr val="accent1"/>
+          </a:effectRef>
+          <a:fontRef idx="minor">
+            <a:schemeClr val="tx1"/>
+          </a:fontRef>
+        </p:style>
+      </p:cxnSp>
+      <p:sp>
+        <p:nvSpPr>
+          <p:cNvPr id="54" name="Document 53"/>
+          <p:cNvSpPr/>
+          <p:nvPr/>
+        </p:nvSpPr>
+        <p:spPr>
+          <a:xfrm>
+            <a:off x="6578609" y="2708055"/>
+            <a:ext cx="1248377" cy="676013"/>
+          </a:xfrm>
+          <a:prstGeom prst="flowChartDocument">
+            <a:avLst/>
+          </a:prstGeom>
+          <a:solidFill>
+            <a:schemeClr val="bg1"/>
+          </a:solidFill>
+          <a:ln>
+            <a:solidFill>
+              <a:srgbClr val="000000"/>
+            </a:solidFill>
+            <a:prstDash val="lgDash"/>
+          </a:ln>
+          <a:effectLst/>
+        </p:spPr>
+        <p:style>
+          <a:lnRef idx="1">
+            <a:schemeClr val="accent1"/>
+          </a:lnRef>
+          <a:fillRef idx="3">
+            <a:schemeClr val="accent1"/>
+          </a:fillRef>
+          <a:effectRef idx="2">
+            <a:schemeClr val="accent1"/>
+          </a:effectRef>
+          <a:fontRef idx="minor">
+            <a:schemeClr val="lt1"/>
+          </a:fontRef>
+        </p:style>
+        <p:txBody>
+          <a:bodyPr rtlCol="0" anchor="ctr"/>
+          <a:lstStyle/>
+          <a:p>
+            <a:pPr algn="ctr"/>
+            <a:r>
+              <a:rPr lang="en-GB" sz="1200" dirty="0" smtClean="0">
+                <a:solidFill>
+                  <a:prstClr val="black"/>
+                </a:solidFill>
+                <a:latin typeface="Arial"/>
+                <a:cs typeface="Arial"/>
+              </a:rPr>
+              <a:t>Intermediate</a:t>
+            </a:r>
+          </a:p>
+          <a:p>
+            <a:pPr algn="ctr"/>
+            <a:r>
+              <a:rPr lang="en-GB" sz="1200" dirty="0" smtClean="0">
+                <a:solidFill>
+                  <a:prstClr val="black"/>
+                </a:solidFill>
+                <a:latin typeface="Arial"/>
+                <a:cs typeface="Arial"/>
+              </a:rPr>
+              <a:t>ANSI-C code</a:t>
+            </a:r>
+            <a:endParaRPr lang="en-US" sz="1200" dirty="0"/>
+          </a:p>
+        </p:txBody>
+      </p:sp>
+      <p:cxnSp>
+        <p:nvCxnSpPr>
+          <p:cNvPr id="56" name="Straight Arrow Connector 55"/>
+          <p:cNvCxnSpPr/>
+          <p:nvPr/>
+        </p:nvCxnSpPr>
+        <p:spPr>
+          <a:xfrm flipV="1">
+            <a:off x="7826986" y="3032935"/>
+            <a:ext cx="339544" cy="859"/>
+          </a:xfrm>
+          <a:prstGeom prst="straightConnector1">
+            <a:avLst/>
+          </a:prstGeom>
+          <a:ln w="6350" cmpd="sng">
+            <a:solidFill>
+              <a:srgbClr val="000000"/>
+            </a:solidFill>
+            <a:headEnd type="none"/>
+            <a:tailEnd type="stealth"/>
+          </a:ln>
+          <a:effectLst/>
+        </p:spPr>
+        <p:style>
+          <a:lnRef idx="2">
+            <a:schemeClr val="accent1"/>
+          </a:lnRef>
+          <a:fillRef idx="0">
+            <a:schemeClr val="accent1"/>
+          </a:fillRef>
+          <a:effectRef idx="1">
+            <a:schemeClr val="accent1"/>
+          </a:effectRef>
+          <a:fontRef idx="minor">
+            <a:schemeClr val="tx1"/>
+          </a:fontRef>
+        </p:style>
+      </p:cxnSp>
+      <p:cxnSp>
+        <p:nvCxnSpPr>
+          <p:cNvPr id="42" name="Straight Arrow Connector 66"/>
+          <p:cNvCxnSpPr/>
+          <p:nvPr/>
+        </p:nvCxnSpPr>
+        <p:spPr>
+          <a:xfrm flipV="1">
+            <a:off x="6329986" y="1993338"/>
+            <a:ext cx="339544" cy="1719"/>
+          </a:xfrm>
+          <a:prstGeom prst="straightConnector1">
+            <a:avLst/>
+          </a:prstGeom>
+          <a:ln w="6350" cmpd="sng">
+            <a:solidFill>
+              <a:srgbClr val="000000"/>
+            </a:solidFill>
+            <a:headEnd type="none"/>
+            <a:tailEnd type="stealth"/>
+          </a:ln>
+          <a:effectLst/>
+        </p:spPr>
+        <p:style>
+          <a:lnRef idx="2">
+            <a:schemeClr val="accent1"/>
+          </a:lnRef>
+          <a:fillRef idx="0">
+            <a:schemeClr val="accent1"/>
+          </a:fillRef>
+          <a:effectRef idx="1">
+            <a:schemeClr val="accent1"/>
+          </a:effectRef>
+          <a:fontRef idx="minor">
+            <a:schemeClr val="tx1"/>
+          </a:fontRef>
+        </p:style>
+      </p:cxnSp>
+      <p:cxnSp>
+        <p:nvCxnSpPr>
+          <p:cNvPr id="9" name="Conector angulado 8"/>
+          <p:cNvCxnSpPr>
+            <a:stCxn id="90" idx="3"/>
+            <a:endCxn id="62" idx="0"/>
+          </p:cNvCxnSpPr>
+          <p:nvPr/>
+        </p:nvCxnSpPr>
+        <p:spPr>
+          <a:xfrm flipH="1">
+            <a:off x="1483082" y="2004765"/>
+            <a:ext cx="6456540" cy="703290"/>
+          </a:xfrm>
+          <a:prstGeom prst="bentConnector4">
+            <a:avLst>
+              <a:gd name="adj1" fmla="val -3541"/>
+              <a:gd name="adj2" fmla="val 73928"/>
+            </a:avLst>
+          </a:prstGeom>
+          <a:ln w="6350">
+            <a:solidFill>
+              <a:schemeClr val="tx1"/>
+            </a:solidFill>
+            <a:tailEnd type="stealth"/>
+          </a:ln>
+          <a:effectLst/>
+        </p:spPr>
+        <p:style>
+          <a:lnRef idx="2">
+            <a:schemeClr val="accent1"/>
+          </a:lnRef>
+          <a:fillRef idx="0">
+            <a:schemeClr val="accent1"/>
+          </a:fillRef>
+          <a:effectRef idx="1">
+            <a:schemeClr val="accent1"/>
+          </a:effectRef>
+          <a:fontRef idx="minor">
+            <a:schemeClr val="tx1"/>
+          </a:fontRef>
+        </p:style>
+      </p:cxnSp>
     </p:spTree>
     <p:extLst>
       <p:ext uri="{BB962C8B-B14F-4D97-AF65-F5344CB8AC3E}">
